--- a/biopaxTutorial/conferencePresentations_post2015/harmony_2016_biopaxIntro/biopaxIntro_060616.pptx
+++ b/biopaxTutorial/conferencePresentations_post2015/harmony_2016_biopaxIntro/biopaxIntro_060616.pptx
@@ -5,23 +5,24 @@
     <p:sldMasterId id="2147483683" r:id="rId1"/>
   </p:sldMasterIdLst>
   <p:notesMasterIdLst>
-    <p:notesMasterId r:id="rId13"/>
+    <p:notesMasterId r:id="rId14"/>
   </p:notesMasterIdLst>
   <p:handoutMasterIdLst>
-    <p:handoutMasterId r:id="rId14"/>
+    <p:handoutMasterId r:id="rId15"/>
   </p:handoutMasterIdLst>
   <p:sldIdLst>
     <p:sldId id="301" r:id="rId2"/>
     <p:sldId id="577" r:id="rId3"/>
-    <p:sldId id="580" r:id="rId4"/>
-    <p:sldId id="578" r:id="rId5"/>
-    <p:sldId id="579" r:id="rId6"/>
-    <p:sldId id="600" r:id="rId7"/>
-    <p:sldId id="565" r:id="rId8"/>
-    <p:sldId id="598" r:id="rId9"/>
-    <p:sldId id="527" r:id="rId10"/>
-    <p:sldId id="597" r:id="rId11"/>
-    <p:sldId id="599" r:id="rId12"/>
+    <p:sldId id="601" r:id="rId4"/>
+    <p:sldId id="580" r:id="rId5"/>
+    <p:sldId id="578" r:id="rId6"/>
+    <p:sldId id="579" r:id="rId7"/>
+    <p:sldId id="600" r:id="rId8"/>
+    <p:sldId id="565" r:id="rId9"/>
+    <p:sldId id="598" r:id="rId10"/>
+    <p:sldId id="527" r:id="rId11"/>
+    <p:sldId id="597" r:id="rId12"/>
+    <p:sldId id="599" r:id="rId13"/>
   </p:sldIdLst>
   <p:sldSz cx="9144000" cy="6858000" type="screen4x3"/>
   <p:notesSz cx="6858000" cy="9144000"/>
@@ -1182,7 +1183,7 @@
               <a:pPr>
                 <a:defRPr/>
               </a:pPr>
-              <a:t>4</a:t>
+              <a:t>5</a:t>
             </a:fld>
             <a:endParaRPr lang="en-US"/>
           </a:p>
@@ -1272,7 +1273,7 @@
               <a:pPr>
                 <a:defRPr/>
               </a:pPr>
-              <a:t>5</a:t>
+              <a:t>6</a:t>
             </a:fld>
             <a:endParaRPr lang="en-US"/>
           </a:p>
@@ -1385,7 +1386,7 @@
               <a:pPr>
                 <a:defRPr/>
               </a:pPr>
-              <a:t>9</a:t>
+              <a:t>10</a:t>
             </a:fld>
             <a:endParaRPr lang="en-US"/>
           </a:p>
@@ -1568,7 +1569,7 @@
             <a:fld id="{48DFBE9A-C2EB-ED40-8215-AB8189897F65}" type="slidenum">
               <a:rPr lang="en-US" sz="1200"/>
               <a:pPr/>
-              <a:t>10</a:t>
+              <a:t>11</a:t>
             </a:fld>
             <a:endParaRPr lang="en-US" sz="1200"/>
           </a:p>
@@ -1955,7 +1956,7 @@
             </a:pPr>
             <a:fld id="{6D028821-352C-4AB6-A0E4-47732AA734FC}" type="datetime1">
               <a:rPr lang="en-US" smtClean="0"/>
-              <a:t>6/2/16</a:t>
+              <a:t>6/7/16</a:t>
             </a:fld>
             <a:endParaRPr lang="en-US"/>
           </a:p>
@@ -2097,7 +2098,7 @@
             </a:pPr>
             <a:fld id="{C9BE3069-B175-4997-9756-CC8726A398F1}" type="datetime1">
               <a:rPr lang="en-US" smtClean="0"/>
-              <a:t>6/2/16</a:t>
+              <a:t>6/7/16</a:t>
             </a:fld>
             <a:endParaRPr lang="en-US"/>
           </a:p>
@@ -2275,7 +2276,7 @@
             </a:pPr>
             <a:fld id="{E6C93A8F-C8DD-442D-9EEC-CFEE6D4A96CC}" type="datetime1">
               <a:rPr lang="en-US" smtClean="0"/>
-              <a:t>6/2/16</a:t>
+              <a:t>6/7/16</a:t>
             </a:fld>
             <a:endParaRPr lang="en-US"/>
           </a:p>
@@ -2510,7 +2511,7 @@
             </a:pPr>
             <a:fld id="{662C9274-61D5-42F6-992B-FED620D9DB14}" type="datetime1">
               <a:rPr lang="en-US" smtClean="0"/>
-              <a:t>6/2/16</a:t>
+              <a:t>6/7/16</a:t>
             </a:fld>
             <a:endParaRPr lang="en-US"/>
           </a:p>
@@ -2745,7 +2746,7 @@
             </a:pPr>
             <a:fld id="{B2F4D72F-4082-4FFE-BF8E-96F06D0F1D2F}" type="datetime1">
               <a:rPr lang="en-US" smtClean="0"/>
-              <a:t>6/2/16</a:t>
+              <a:t>6/7/16</a:t>
             </a:fld>
             <a:endParaRPr lang="en-US"/>
           </a:p>
@@ -2980,7 +2981,7 @@
             </a:pPr>
             <a:fld id="{9F43491B-E8AC-440F-ADEF-6422E6CBA26B}" type="datetime1">
               <a:rPr lang="en-US" smtClean="0"/>
-              <a:t>6/2/16</a:t>
+              <a:t>6/7/16</a:t>
             </a:fld>
             <a:endParaRPr lang="en-US"/>
           </a:p>
@@ -3148,7 +3149,7 @@
             </a:pPr>
             <a:fld id="{31DD4A03-2ACC-45B7-8B3B-018D5F6C533E}" type="datetime1">
               <a:rPr lang="en-US" smtClean="0"/>
-              <a:t>6/2/16</a:t>
+              <a:t>6/7/16</a:t>
             </a:fld>
             <a:endParaRPr lang="en-US"/>
           </a:p>
@@ -3338,7 +3339,7 @@
             </a:pPr>
             <a:fld id="{B417B602-48A6-425B-B351-808150537AEE}" type="datetime1">
               <a:rPr lang="en-US" smtClean="0"/>
-              <a:t>6/2/16</a:t>
+              <a:t>6/7/16</a:t>
             </a:fld>
             <a:endParaRPr lang="en-US"/>
           </a:p>
@@ -3624,7 +3625,7 @@
             </a:pPr>
             <a:fld id="{C7F3172B-3621-44DC-8A34-F740EDE6917F}" type="datetime1">
               <a:rPr lang="en-US" smtClean="0"/>
-              <a:t>6/2/16</a:t>
+              <a:t>6/7/16</a:t>
             </a:fld>
             <a:endParaRPr lang="en-US"/>
           </a:p>
@@ -4049,7 +4050,7 @@
             </a:pPr>
             <a:fld id="{6F7A178D-AFE0-457A-9990-2D3B07823FA0}" type="datetime1">
               <a:rPr lang="en-US" smtClean="0"/>
-              <a:t>6/2/16</a:t>
+              <a:t>6/7/16</a:t>
             </a:fld>
             <a:endParaRPr lang="en-US"/>
           </a:p>
@@ -4165,7 +4166,7 @@
             </a:pPr>
             <a:fld id="{9E20481A-9009-474B-8F22-F4BE920DC70F}" type="datetime1">
               <a:rPr lang="en-US" smtClean="0"/>
-              <a:t>6/2/16</a:t>
+              <a:t>6/7/16</a:t>
             </a:fld>
             <a:endParaRPr lang="en-US"/>
           </a:p>
@@ -4258,7 +4259,7 @@
             </a:pPr>
             <a:fld id="{66787C9E-B593-463C-865C-835F6B8DB2AD}" type="datetime1">
               <a:rPr lang="en-US" smtClean="0"/>
-              <a:t>6/2/16</a:t>
+              <a:t>6/7/16</a:t>
             </a:fld>
             <a:endParaRPr lang="en-US"/>
           </a:p>
@@ -4533,7 +4534,7 @@
             </a:pPr>
             <a:fld id="{DDCCA9DD-8FF5-4A5E-A997-40F452A5E518}" type="datetime1">
               <a:rPr lang="en-US" smtClean="0"/>
-              <a:t>6/2/16</a:t>
+              <a:t>6/7/16</a:t>
             </a:fld>
             <a:endParaRPr lang="en-US"/>
           </a:p>
@@ -4785,7 +4786,7 @@
             </a:pPr>
             <a:fld id="{BA0FC2B2-5383-4CA9-AF9D-5A3D93B603EA}" type="datetime1">
               <a:rPr lang="en-US" smtClean="0"/>
-              <a:t>6/2/16</a:t>
+              <a:t>6/7/16</a:t>
             </a:fld>
             <a:endParaRPr lang="en-US"/>
           </a:p>
@@ -5036,7 +5037,7 @@
             </a:pPr>
             <a:fld id="{4DFB017D-58F7-4875-B095-CB68B1F4D2DA}" type="datetime1">
               <a:rPr lang="en-US" smtClean="0"/>
-              <a:t>6/2/16</a:t>
+              <a:t>6/7/16</a:t>
             </a:fld>
             <a:endParaRPr lang="en-US"/>
           </a:p>
@@ -5200,7 +5201,7 @@
         <p:spPr>
           <a:xfrm>
             <a:off x="5346700" y="6524625"/>
-            <a:ext cx="1935145" cy="307777"/>
+            <a:ext cx="1019831" cy="307777"/>
           </a:xfrm>
           <a:prstGeom prst="rect">
             <a:avLst/>
@@ -5216,31 +5217,13 @@
               <a:defRPr/>
             </a:pPr>
             <a:r>
-              <a:rPr lang="en-US" sz="1400" dirty="0" smtClean="0">
-                <a:solidFill>
-                  <a:schemeClr val="bg1"/>
-                </a:solidFill>
-                <a:ea typeface="ＭＳ Ｐゴシック" charset="-128"/>
-              </a:rPr>
-              <a:t>http://</a:t>
-            </a:r>
-            <a:r>
               <a:rPr lang="en-US" sz="1400" dirty="0" err="1" smtClean="0">
                 <a:solidFill>
                   <a:schemeClr val="bg1"/>
                 </a:solidFill>
                 <a:ea typeface="ＭＳ Ｐゴシック" charset="-128"/>
               </a:rPr>
-              <a:t>biopax.github.io</a:t>
-            </a:r>
-            <a:r>
-              <a:rPr lang="en-US" sz="1400" dirty="0" smtClean="0">
-                <a:solidFill>
-                  <a:schemeClr val="bg1"/>
-                </a:solidFill>
-                <a:ea typeface="ＭＳ Ｐゴシック" charset="-128"/>
-              </a:rPr>
-              <a:t>/</a:t>
+              <a:t>biopax.org</a:t>
             </a:r>
             <a:endParaRPr lang="en-US" sz="1400" dirty="0">
               <a:solidFill>
@@ -5881,7 +5864,7 @@
                   <a:srgbClr val="333333"/>
                 </a:solidFill>
               </a:rPr>
-              <a:t>6/2/16</a:t>
+              <a:t>6/7/16</a:t>
             </a:fld>
             <a:endParaRPr lang="en-US" sz="1800" dirty="0">
               <a:solidFill>
@@ -5964,7 +5947,7 @@
         </p:nvSpPr>
         <p:spPr>
           <a:xfrm>
-            <a:off x="228600" y="3581400"/>
+            <a:off x="228600" y="3429000"/>
             <a:ext cx="8839200" cy="2133600"/>
           </a:xfrm>
         </p:spPr>
@@ -6002,7 +5985,7 @@
             </a:r>
             <a:r>
               <a:rPr lang="en-US" sz="1800" dirty="0" err="1" smtClean="0"/>
-              <a:t>biopax.github.io</a:t>
+              <a:t>biopax.org</a:t>
             </a:r>
             <a:endParaRPr lang="en-US" sz="1800" dirty="0" smtClean="0"/>
           </a:p>
@@ -6033,8 +6016,12 @@
           <a:p>
             <a:pPr eaLnBrk="1" hangingPunct="1"/>
             <a:r>
+              <a:rPr lang="en-US" sz="1800" dirty="0" smtClean="0"/>
+              <a:t>Pathway </a:t>
+            </a:r>
+            <a:r>
               <a:rPr lang="en-US" sz="1800" dirty="0"/>
-              <a:t>Pathway Commons: </a:t>
+              <a:t>Commons: </a:t>
             </a:r>
             <a:r>
               <a:rPr lang="en-US" sz="1800" dirty="0" err="1" smtClean="0"/>
@@ -6140,9 +6127,9 @@
       </p:grpSpPr>
       <p:sp>
         <p:nvSpPr>
-          <p:cNvPr id="18434" name="Rectangle 2"/>
-          <p:cNvSpPr>
-            <a:spLocks noGrp="1" noChangeArrowheads="1"/>
+          <p:cNvPr id="2" name="Title 1"/>
+          <p:cNvSpPr>
+            <a:spLocks noGrp="1"/>
           </p:cNvSpPr>
           <p:nvPr>
             <p:ph type="title"/>
@@ -6153,853 +6140,212 @@
           <a:bodyPr/>
           <a:lstStyle/>
           <a:p>
-            <a:pPr eaLnBrk="1" hangingPunct="1"/>
             <a:r>
               <a:rPr lang="en-US" dirty="0" smtClean="0"/>
-              <a:t>Acknowledgements (2)</a:t>
-            </a:r>
-            <a:endParaRPr lang="en-US" dirty="0">
-              <a:latin typeface="Arial" charset="0"/>
-              <a:ea typeface="ＭＳ Ｐゴシック" charset="0"/>
-              <a:cs typeface="ＭＳ Ｐゴシック" charset="0"/>
-            </a:endParaRPr>
-          </a:p>
-        </p:txBody>
-      </p:sp>
-      <p:sp>
-        <p:nvSpPr>
-          <p:cNvPr id="18435" name="Rectangle 3"/>
-          <p:cNvSpPr>
-            <a:spLocks noGrp="1" noChangeArrowheads="1"/>
-          </p:cNvSpPr>
-          <p:nvPr>
-            <p:ph type="body" idx="1"/>
+              <a:t>Acknowledgements: Main Team</a:t>
+            </a:r>
+            <a:endParaRPr lang="en-US" dirty="0"/>
+          </a:p>
+        </p:txBody>
+      </p:sp>
+      <p:sp>
+        <p:nvSpPr>
+          <p:cNvPr id="3" name="Content Placeholder 2"/>
+          <p:cNvSpPr>
+            <a:spLocks noGrp="1"/>
+          </p:cNvSpPr>
+          <p:nvPr>
+            <p:ph sz="half" idx="1"/>
           </p:nvPr>
         </p:nvSpPr>
         <p:spPr>
           <a:xfrm>
             <a:off x="152400" y="1371600"/>
-            <a:ext cx="4800600" cy="5029200"/>
+            <a:ext cx="7239000" cy="4953000"/>
           </a:xfrm>
         </p:spPr>
         <p:txBody>
           <a:bodyPr/>
           <a:lstStyle/>
           <a:p>
-            <a:pPr eaLnBrk="1" hangingPunct="1">
-              <a:lnSpc>
-                <a:spcPct val="80000"/>
-              </a:lnSpc>
-              <a:buFontTx/>
+            <a:r>
+              <a:rPr lang="en-US" sz="2000" dirty="0" smtClean="0"/>
+              <a:t>Dana-Farber Cancer Institute/Harvard Medical School</a:t>
+            </a:r>
+          </a:p>
+          <a:p>
+            <a:pPr lvl="1"/>
+            <a:r>
+              <a:rPr lang="en-US" sz="1600" dirty="0" smtClean="0"/>
+              <a:t>Augustin Luna</a:t>
+            </a:r>
+          </a:p>
+          <a:p>
+            <a:pPr lvl="1"/>
+            <a:r>
+              <a:rPr lang="en-US" sz="1600" dirty="0" smtClean="0"/>
+              <a:t>Chris Sander</a:t>
+            </a:r>
+          </a:p>
+          <a:p>
+            <a:r>
+              <a:rPr lang="en-US" sz="2000" dirty="0" err="1" smtClean="0"/>
+              <a:t>Bilkent</a:t>
+            </a:r>
+            <a:r>
+              <a:rPr lang="en-US" sz="2000" dirty="0" smtClean="0"/>
+              <a:t> University</a:t>
+            </a:r>
+          </a:p>
+          <a:p>
+            <a:pPr lvl="1"/>
+            <a:r>
+              <a:rPr lang="en-US" sz="1600" dirty="0" err="1" smtClean="0"/>
+              <a:t>Ugur</a:t>
+            </a:r>
+            <a:r>
+              <a:rPr lang="en-US" sz="1600" dirty="0" smtClean="0"/>
+              <a:t> </a:t>
+            </a:r>
+            <a:r>
+              <a:rPr lang="en-US" sz="1600" dirty="0" err="1" smtClean="0"/>
+              <a:t>Dogrusoz</a:t>
+            </a:r>
+            <a:r>
+              <a:rPr lang="en-US" sz="1600" dirty="0" smtClean="0"/>
+              <a:t> </a:t>
+            </a:r>
+          </a:p>
+          <a:p>
+            <a:r>
+              <a:rPr lang="en-US" sz="2000" dirty="0"/>
+              <a:t>University of Toronto</a:t>
+            </a:r>
+            <a:endParaRPr lang="en-US" sz="2400" dirty="0"/>
+          </a:p>
+          <a:p>
+            <a:pPr lvl="1"/>
+            <a:r>
+              <a:rPr lang="en-US" sz="1600" dirty="0" smtClean="0"/>
+              <a:t>Jeffrey </a:t>
+            </a:r>
+            <a:r>
+              <a:rPr lang="en-US" sz="1600" dirty="0"/>
+              <a:t>Wong</a:t>
+            </a:r>
+          </a:p>
+          <a:p>
+            <a:pPr lvl="1"/>
+            <a:r>
+              <a:rPr lang="en-US" sz="1600" dirty="0"/>
+              <a:t>Igor </a:t>
+            </a:r>
+            <a:r>
+              <a:rPr lang="en-US" sz="1600" dirty="0" err="1" smtClean="0"/>
+              <a:t>Rodchenkov</a:t>
+            </a:r>
+            <a:endParaRPr lang="en-US" sz="1600" dirty="0" smtClean="0"/>
+          </a:p>
+          <a:p>
+            <a:pPr lvl="1"/>
+            <a:r>
+              <a:rPr lang="en-US" sz="1600" dirty="0"/>
+              <a:t>Gary Bader </a:t>
+            </a:r>
+          </a:p>
+          <a:p>
+            <a:r>
+              <a:rPr lang="en-US" sz="2000" dirty="0" smtClean="0"/>
+              <a:t>Oregon Health Sciences University</a:t>
+            </a:r>
+          </a:p>
+          <a:p>
+            <a:pPr lvl="1"/>
+            <a:r>
+              <a:rPr lang="en-US" sz="1600" dirty="0" err="1"/>
+              <a:t>Ozgun</a:t>
+            </a:r>
+            <a:r>
+              <a:rPr lang="en-US" sz="1600" dirty="0"/>
+              <a:t> Babur</a:t>
+            </a:r>
+          </a:p>
+          <a:p>
+            <a:pPr lvl="1"/>
+            <a:r>
+              <a:rPr lang="en-US" sz="1600" dirty="0" err="1"/>
+              <a:t>Emek</a:t>
+            </a:r>
+            <a:r>
+              <a:rPr lang="en-US" sz="1600" dirty="0"/>
+              <a:t> </a:t>
+            </a:r>
+            <a:r>
+              <a:rPr lang="en-US" sz="1600" dirty="0" err="1" smtClean="0"/>
+              <a:t>Demir</a:t>
+            </a:r>
+            <a:endParaRPr lang="en-US" sz="1600" dirty="0" smtClean="0"/>
+          </a:p>
+          <a:p>
+            <a:r>
+              <a:rPr lang="en-US" sz="2000" dirty="0" smtClean="0"/>
+              <a:t>Previous Members</a:t>
+            </a:r>
+          </a:p>
+          <a:p>
+            <a:pPr lvl="1"/>
+            <a:r>
+              <a:rPr lang="en-US" sz="1600" dirty="0" smtClean="0"/>
+              <a:t>Arman Aksoy (Mount Sinai), </a:t>
+            </a:r>
+            <a:r>
+              <a:rPr lang="en-US" sz="1600" dirty="0" err="1" smtClean="0"/>
+              <a:t>Onur</a:t>
+            </a:r>
+            <a:r>
+              <a:rPr lang="en-US" sz="1600" dirty="0" smtClean="0"/>
+              <a:t> Sumer (MSKCC)</a:t>
+            </a:r>
+            <a:endParaRPr lang="en-US" sz="1600" dirty="0"/>
+          </a:p>
+          <a:p>
+            <a:pPr marL="457200" lvl="1" indent="0">
               <a:buNone/>
             </a:pPr>
-            <a:r>
-              <a:rPr lang="en-US" sz="1800" dirty="0">
-                <a:latin typeface="Arial" charset="0"/>
-                <a:ea typeface="ＭＳ Ｐゴシック" charset="0"/>
-                <a:cs typeface="ＭＳ Ｐゴシック" charset="0"/>
-              </a:rPr>
-              <a:t>Current Participants</a:t>
-            </a:r>
-            <a:endParaRPr lang="en-US" sz="900" dirty="0">
-              <a:latin typeface="Arial" charset="0"/>
-              <a:ea typeface="ＭＳ Ｐゴシック" charset="0"/>
-              <a:cs typeface="ＭＳ Ｐゴシック" charset="0"/>
-            </a:endParaRPr>
-          </a:p>
-          <a:p>
-            <a:pPr eaLnBrk="1" hangingPunct="1">
-              <a:lnSpc>
-                <a:spcPct val="80000"/>
-              </a:lnSpc>
-            </a:pPr>
-            <a:r>
-              <a:rPr lang="en-US" sz="1100" dirty="0" smtClean="0">
-                <a:latin typeface="Arial" charset="0"/>
-                <a:ea typeface="ＭＳ Ｐゴシック" charset="0"/>
-                <a:cs typeface="ＭＳ Ｐゴシック" charset="0"/>
-              </a:rPr>
-              <a:t>SRI </a:t>
-            </a:r>
-            <a:r>
-              <a:rPr lang="en-US" sz="1100" dirty="0">
-                <a:latin typeface="Arial" charset="0"/>
-                <a:ea typeface="ＭＳ Ｐゴシック" charset="0"/>
-                <a:cs typeface="ＭＳ Ｐゴシック" charset="0"/>
-              </a:rPr>
-              <a:t>Bioinformatics Research Group: P. Karp, S. Paley, J. Pick</a:t>
-            </a:r>
-          </a:p>
-          <a:p>
-            <a:pPr eaLnBrk="1" hangingPunct="1">
-              <a:lnSpc>
-                <a:spcPct val="80000"/>
-              </a:lnSpc>
-            </a:pPr>
-            <a:r>
-              <a:rPr lang="en-US" sz="1100" dirty="0" err="1" smtClean="0">
-                <a:latin typeface="Arial" charset="0"/>
-                <a:ea typeface="ＭＳ Ｐゴシック" charset="0"/>
-                <a:cs typeface="ＭＳ Ｐゴシック" charset="0"/>
-              </a:rPr>
-              <a:t>Université</a:t>
-            </a:r>
-            <a:r>
-              <a:rPr lang="en-US" sz="1100" dirty="0" smtClean="0">
-                <a:latin typeface="Arial" charset="0"/>
-                <a:ea typeface="ＭＳ Ｐゴシック" charset="0"/>
-                <a:cs typeface="ＭＳ Ｐゴシック" charset="0"/>
-              </a:rPr>
-              <a:t> </a:t>
-            </a:r>
-            <a:r>
-              <a:rPr lang="en-US" sz="1100" dirty="0" err="1">
-                <a:latin typeface="Arial" charset="0"/>
-                <a:ea typeface="ＭＳ Ｐゴシック" charset="0"/>
-                <a:cs typeface="ＭＳ Ｐゴシック" charset="0"/>
-              </a:rPr>
-              <a:t>Libre</a:t>
-            </a:r>
-            <a:r>
-              <a:rPr lang="en-US" sz="1100" dirty="0">
-                <a:latin typeface="Arial" charset="0"/>
-                <a:ea typeface="ＭＳ Ｐゴシック" charset="0"/>
-                <a:cs typeface="ＭＳ Ｐゴシック" charset="0"/>
-              </a:rPr>
-              <a:t> de </a:t>
-            </a:r>
-            <a:r>
-              <a:rPr lang="en-US" sz="1100" dirty="0" err="1">
-                <a:latin typeface="Arial" charset="0"/>
-                <a:ea typeface="ＭＳ Ｐゴシック" charset="0"/>
-                <a:cs typeface="ＭＳ Ｐゴシック" charset="0"/>
-              </a:rPr>
-              <a:t>Bruxelles</a:t>
-            </a:r>
-            <a:r>
-              <a:rPr lang="en-US" sz="1100" dirty="0">
-                <a:latin typeface="Arial" charset="0"/>
-                <a:ea typeface="ＭＳ Ｐゴシック" charset="0"/>
-                <a:cs typeface="ＭＳ Ｐゴシック" charset="0"/>
-              </a:rPr>
-              <a:t>: C. </a:t>
-            </a:r>
-            <a:r>
-              <a:rPr lang="en-US" sz="1100" dirty="0" err="1">
-                <a:latin typeface="Arial" charset="0"/>
-                <a:ea typeface="ＭＳ Ｐゴシック" charset="0"/>
-                <a:cs typeface="ＭＳ Ｐゴシック" charset="0"/>
-              </a:rPr>
-              <a:t>Lemer</a:t>
-            </a:r>
-            <a:endParaRPr lang="en-US" sz="1100" dirty="0">
-              <a:latin typeface="Arial" charset="0"/>
-              <a:ea typeface="ＭＳ Ｐゴシック" charset="0"/>
-              <a:cs typeface="ＭＳ Ｐゴシック" charset="0"/>
-            </a:endParaRPr>
-          </a:p>
-          <a:p>
-            <a:pPr eaLnBrk="1" hangingPunct="1">
-              <a:lnSpc>
-                <a:spcPct val="80000"/>
-              </a:lnSpc>
-            </a:pPr>
-            <a:r>
-              <a:rPr lang="en-US" sz="1100" dirty="0">
-                <a:latin typeface="Arial" charset="0"/>
-                <a:ea typeface="ＭＳ Ｐゴシック" charset="0"/>
-                <a:cs typeface="ＭＳ Ｐゴシック" charset="0"/>
-              </a:rPr>
-              <a:t>CBRC Japan: K. Fukuda</a:t>
-            </a:r>
-          </a:p>
-          <a:p>
-            <a:pPr eaLnBrk="1" hangingPunct="1">
-              <a:lnSpc>
-                <a:spcPct val="80000"/>
-              </a:lnSpc>
-            </a:pPr>
-            <a:r>
-              <a:rPr lang="en-US" sz="1100" dirty="0">
-                <a:latin typeface="Arial" charset="0"/>
-                <a:ea typeface="ＭＳ Ｐゴシック" charset="0"/>
-                <a:cs typeface="ＭＳ Ｐゴシック" charset="0"/>
-              </a:rPr>
-              <a:t>Dana Farber Cancer Institute: J. </a:t>
-            </a:r>
-            <a:r>
-              <a:rPr lang="en-US" sz="1100" dirty="0" err="1">
-                <a:latin typeface="Arial" charset="0"/>
-                <a:ea typeface="ＭＳ Ｐゴシック" charset="0"/>
-                <a:cs typeface="ＭＳ Ｐゴシック" charset="0"/>
-              </a:rPr>
-              <a:t>Zucker</a:t>
-            </a:r>
-            <a:endParaRPr lang="en-US" sz="1100" dirty="0">
-              <a:latin typeface="Arial" charset="0"/>
-              <a:ea typeface="ＭＳ Ｐゴシック" charset="0"/>
-              <a:cs typeface="ＭＳ Ｐゴシック" charset="0"/>
-            </a:endParaRPr>
-          </a:p>
-          <a:p>
-            <a:pPr eaLnBrk="1" hangingPunct="1">
-              <a:lnSpc>
-                <a:spcPct val="80000"/>
-              </a:lnSpc>
-            </a:pPr>
-            <a:r>
-              <a:rPr lang="en-US" sz="1100" dirty="0">
-                <a:latin typeface="Arial" charset="0"/>
-                <a:ea typeface="ＭＳ Ｐゴシック" charset="0"/>
-                <a:cs typeface="ＭＳ Ｐゴシック" charset="0"/>
-              </a:rPr>
-              <a:t>Millennium: J. Rees, A. </a:t>
-            </a:r>
-            <a:r>
-              <a:rPr lang="en-US" sz="1100" dirty="0" err="1">
-                <a:latin typeface="Arial" charset="0"/>
-                <a:ea typeface="ＭＳ Ｐゴシック" charset="0"/>
-                <a:cs typeface="ＭＳ Ｐゴシック" charset="0"/>
-              </a:rPr>
-              <a:t>Ruttenberg</a:t>
-            </a:r>
-            <a:endParaRPr lang="en-US" sz="1100" dirty="0">
-              <a:latin typeface="Arial" charset="0"/>
-              <a:ea typeface="ＭＳ Ｐゴシック" charset="0"/>
-              <a:cs typeface="ＭＳ Ｐゴシック" charset="0"/>
-            </a:endParaRPr>
-          </a:p>
-          <a:p>
-            <a:pPr eaLnBrk="1" hangingPunct="1">
-              <a:lnSpc>
-                <a:spcPct val="80000"/>
-              </a:lnSpc>
-            </a:pPr>
-            <a:r>
-              <a:rPr lang="en-US" sz="1100" dirty="0">
-                <a:latin typeface="Arial" charset="0"/>
-                <a:ea typeface="ＭＳ Ｐゴシック" charset="0"/>
-                <a:cs typeface="ＭＳ Ｐゴシック" charset="0"/>
-              </a:rPr>
-              <a:t>Cold Spring Harbor/EBI: G. Wu, M. Gillespie, P. </a:t>
-            </a:r>
-            <a:r>
-              <a:rPr lang="en-US" sz="1100" dirty="0" err="1">
-                <a:latin typeface="Arial" charset="0"/>
-                <a:ea typeface="ＭＳ Ｐゴシック" charset="0"/>
-                <a:cs typeface="ＭＳ Ｐゴシック" charset="0"/>
-              </a:rPr>
-              <a:t>D'Eustachio</a:t>
-            </a:r>
-            <a:r>
-              <a:rPr lang="en-US" sz="1100" dirty="0">
-                <a:latin typeface="Arial" charset="0"/>
-                <a:ea typeface="ＭＳ Ｐゴシック" charset="0"/>
-                <a:cs typeface="ＭＳ Ｐゴシック" charset="0"/>
-              </a:rPr>
-              <a:t>, I. </a:t>
-            </a:r>
-            <a:r>
-              <a:rPr lang="en-US" sz="1100" dirty="0" err="1">
-                <a:latin typeface="Arial" charset="0"/>
-                <a:ea typeface="ＭＳ Ｐゴシック" charset="0"/>
-                <a:cs typeface="ＭＳ Ｐゴシック" charset="0"/>
-              </a:rPr>
-              <a:t>Vastrik</a:t>
-            </a:r>
-            <a:r>
-              <a:rPr lang="en-US" sz="1100" dirty="0">
-                <a:latin typeface="Arial" charset="0"/>
-                <a:ea typeface="ＭＳ Ｐゴシック" charset="0"/>
-                <a:cs typeface="ＭＳ Ｐゴシック" charset="0"/>
-              </a:rPr>
-              <a:t>, L. Stein</a:t>
-            </a:r>
-          </a:p>
-          <a:p>
-            <a:pPr eaLnBrk="1" hangingPunct="1">
-              <a:lnSpc>
-                <a:spcPct val="80000"/>
-              </a:lnSpc>
-            </a:pPr>
-            <a:r>
-              <a:rPr lang="en-US" sz="1100" dirty="0" err="1">
-                <a:latin typeface="Arial" charset="0"/>
-                <a:ea typeface="ＭＳ Ｐゴシック" charset="0"/>
-                <a:cs typeface="ＭＳ Ｐゴシック" charset="0"/>
-              </a:rPr>
-              <a:t>BioPathways</a:t>
-            </a:r>
-            <a:r>
-              <a:rPr lang="en-US" sz="1100" dirty="0">
-                <a:latin typeface="Arial" charset="0"/>
-                <a:ea typeface="ＭＳ Ｐゴシック" charset="0"/>
-                <a:cs typeface="ＭＳ Ｐゴシック" charset="0"/>
-              </a:rPr>
-              <a:t> Consortium: J. Luciano, E. Neumann, A. </a:t>
-            </a:r>
-            <a:r>
-              <a:rPr lang="en-US" sz="1100" dirty="0" err="1">
-                <a:latin typeface="Arial" charset="0"/>
-                <a:ea typeface="ＭＳ Ｐゴシック" charset="0"/>
-                <a:cs typeface="ＭＳ Ｐゴシック" charset="0"/>
-              </a:rPr>
-              <a:t>Regev</a:t>
-            </a:r>
-            <a:r>
-              <a:rPr lang="en-US" sz="1100" dirty="0">
-                <a:latin typeface="Arial" charset="0"/>
-                <a:ea typeface="ＭＳ Ｐゴシック" charset="0"/>
-                <a:cs typeface="ＭＳ Ｐゴシック" charset="0"/>
-              </a:rPr>
-              <a:t>, V. </a:t>
-            </a:r>
-            <a:r>
-              <a:rPr lang="en-US" sz="1100" dirty="0" err="1">
-                <a:latin typeface="Arial" charset="0"/>
-                <a:ea typeface="ＭＳ Ｐゴシック" charset="0"/>
-                <a:cs typeface="ＭＳ Ｐゴシック" charset="0"/>
-              </a:rPr>
-              <a:t>Schachter</a:t>
-            </a:r>
-            <a:endParaRPr lang="en-US" sz="1100" dirty="0">
-              <a:latin typeface="Arial" charset="0"/>
-              <a:ea typeface="ＭＳ Ｐゴシック" charset="0"/>
-              <a:cs typeface="ＭＳ Ｐゴシック" charset="0"/>
-            </a:endParaRPr>
-          </a:p>
-          <a:p>
-            <a:pPr eaLnBrk="1" hangingPunct="1">
-              <a:lnSpc>
-                <a:spcPct val="80000"/>
-              </a:lnSpc>
-            </a:pPr>
-            <a:r>
-              <a:rPr lang="en-US" sz="1100" dirty="0">
-                <a:latin typeface="Arial" charset="0"/>
-                <a:ea typeface="ＭＳ Ｐゴシック" charset="0"/>
-                <a:cs typeface="ＭＳ Ｐゴシック" charset="0"/>
-              </a:rPr>
-              <a:t>Argonne National Laboratory: N. </a:t>
-            </a:r>
-            <a:r>
-              <a:rPr lang="en-US" sz="1100" dirty="0" err="1">
-                <a:latin typeface="Arial" charset="0"/>
-                <a:ea typeface="ＭＳ Ｐゴシック" charset="0"/>
-                <a:cs typeface="ＭＳ Ｐゴシック" charset="0"/>
-              </a:rPr>
-              <a:t>Maltsev</a:t>
-            </a:r>
-            <a:r>
-              <a:rPr lang="en-US" sz="1100" dirty="0">
-                <a:latin typeface="Arial" charset="0"/>
-                <a:ea typeface="ＭＳ Ｐゴシック" charset="0"/>
-                <a:cs typeface="ＭＳ Ｐゴシック" charset="0"/>
-              </a:rPr>
-              <a:t>, E. </a:t>
-            </a:r>
-            <a:r>
-              <a:rPr lang="en-US" sz="1100" dirty="0" err="1">
-                <a:latin typeface="Arial" charset="0"/>
-                <a:ea typeface="ＭＳ Ｐゴシック" charset="0"/>
-                <a:cs typeface="ＭＳ Ｐゴシック" charset="0"/>
-              </a:rPr>
-              <a:t>Marland</a:t>
-            </a:r>
-            <a:r>
-              <a:rPr lang="en-US" sz="1100" dirty="0">
-                <a:latin typeface="Arial" charset="0"/>
-                <a:ea typeface="ＭＳ Ｐゴシック" charset="0"/>
-                <a:cs typeface="ＭＳ Ｐゴシック" charset="0"/>
-              </a:rPr>
-              <a:t>, </a:t>
-            </a:r>
-            <a:r>
-              <a:rPr lang="en-US" sz="1100" dirty="0" err="1">
-                <a:latin typeface="Arial" charset="0"/>
-                <a:ea typeface="ＭＳ Ｐゴシック" charset="0"/>
-                <a:cs typeface="ＭＳ Ｐゴシック" charset="0"/>
-              </a:rPr>
-              <a:t>M.Syed</a:t>
-            </a:r>
-            <a:endParaRPr lang="en-US" sz="1100" dirty="0">
-              <a:latin typeface="Arial" charset="0"/>
-              <a:ea typeface="ＭＳ Ｐゴシック" charset="0"/>
-              <a:cs typeface="ＭＳ Ｐゴシック" charset="0"/>
-            </a:endParaRPr>
-          </a:p>
-          <a:p>
-            <a:pPr eaLnBrk="1" hangingPunct="1">
-              <a:lnSpc>
-                <a:spcPct val="80000"/>
-              </a:lnSpc>
-            </a:pPr>
-            <a:r>
-              <a:rPr lang="en-US" sz="1100" dirty="0">
-                <a:latin typeface="Arial" charset="0"/>
-                <a:ea typeface="ＭＳ Ｐゴシック" charset="0"/>
-                <a:cs typeface="ＭＳ Ｐゴシック" charset="0"/>
-              </a:rPr>
-              <a:t>Harvard: F. Gibbons</a:t>
-            </a:r>
-          </a:p>
-          <a:p>
-            <a:pPr eaLnBrk="1" hangingPunct="1">
-              <a:lnSpc>
-                <a:spcPct val="80000"/>
-              </a:lnSpc>
-            </a:pPr>
-            <a:r>
-              <a:rPr lang="en-US" sz="1100" dirty="0">
-                <a:latin typeface="Arial" charset="0"/>
-                <a:ea typeface="ＭＳ Ｐゴシック" charset="0"/>
-                <a:cs typeface="ＭＳ Ｐゴシック" charset="0"/>
-              </a:rPr>
-              <a:t>AstraZeneca: E. </a:t>
-            </a:r>
-            <a:r>
-              <a:rPr lang="en-US" sz="1100" dirty="0" err="1">
-                <a:latin typeface="Arial" charset="0"/>
-                <a:ea typeface="ＭＳ Ｐゴシック" charset="0"/>
-                <a:cs typeface="ＭＳ Ｐゴシック" charset="0"/>
-              </a:rPr>
-              <a:t>Pichler</a:t>
-            </a:r>
-            <a:endParaRPr lang="en-US" sz="1100" dirty="0">
-              <a:latin typeface="Arial" charset="0"/>
-              <a:ea typeface="ＭＳ Ｐゴシック" charset="0"/>
-              <a:cs typeface="ＭＳ Ｐゴシック" charset="0"/>
-            </a:endParaRPr>
-          </a:p>
-          <a:p>
-            <a:pPr eaLnBrk="1" hangingPunct="1">
-              <a:lnSpc>
-                <a:spcPct val="80000"/>
-              </a:lnSpc>
-            </a:pPr>
-            <a:r>
-              <a:rPr lang="en-US" sz="1100" dirty="0">
-                <a:latin typeface="Arial" charset="0"/>
-                <a:ea typeface="ＭＳ Ｐゴシック" charset="0"/>
-                <a:cs typeface="ＭＳ Ｐゴシック" charset="0"/>
-              </a:rPr>
-              <a:t>BIOBASE: E. </a:t>
-            </a:r>
-            <a:r>
-              <a:rPr lang="en-US" sz="1100" dirty="0" err="1">
-                <a:latin typeface="Arial" charset="0"/>
-                <a:ea typeface="ＭＳ Ｐゴシック" charset="0"/>
-                <a:cs typeface="ＭＳ Ｐゴシック" charset="0"/>
-              </a:rPr>
-              <a:t>Wingender</a:t>
-            </a:r>
-            <a:r>
-              <a:rPr lang="en-US" sz="1100" dirty="0">
-                <a:latin typeface="Arial" charset="0"/>
-                <a:ea typeface="ＭＳ Ｐゴシック" charset="0"/>
-                <a:cs typeface="ＭＳ Ｐゴシック" charset="0"/>
-              </a:rPr>
-              <a:t>, F. </a:t>
-            </a:r>
-            <a:r>
-              <a:rPr lang="en-US" sz="1100" dirty="0" err="1">
-                <a:latin typeface="Arial" charset="0"/>
-                <a:ea typeface="ＭＳ Ｐゴシック" charset="0"/>
-                <a:cs typeface="ＭＳ Ｐゴシック" charset="0"/>
-              </a:rPr>
-              <a:t>Schacherer</a:t>
-            </a:r>
-            <a:endParaRPr lang="en-US" sz="1100" dirty="0">
-              <a:latin typeface="Arial" charset="0"/>
-              <a:ea typeface="ＭＳ Ｐゴシック" charset="0"/>
-              <a:cs typeface="ＭＳ Ｐゴシック" charset="0"/>
-            </a:endParaRPr>
-          </a:p>
-          <a:p>
-            <a:pPr eaLnBrk="1" hangingPunct="1">
-              <a:lnSpc>
-                <a:spcPct val="80000"/>
-              </a:lnSpc>
-            </a:pPr>
-            <a:r>
-              <a:rPr lang="en-US" sz="1100" dirty="0">
-                <a:latin typeface="Arial" charset="0"/>
-                <a:ea typeface="ＭＳ Ｐゴシック" charset="0"/>
-                <a:cs typeface="ＭＳ Ｐゴシック" charset="0"/>
-              </a:rPr>
-              <a:t>NCI: M. </a:t>
-            </a:r>
-            <a:r>
-              <a:rPr lang="en-US" sz="1100" dirty="0" err="1">
-                <a:latin typeface="Arial" charset="0"/>
-                <a:ea typeface="ＭＳ Ｐゴシック" charset="0"/>
-                <a:cs typeface="ＭＳ Ｐゴシック" charset="0"/>
-              </a:rPr>
-              <a:t>Aladjem</a:t>
-            </a:r>
-            <a:r>
-              <a:rPr lang="en-US" sz="1100" dirty="0">
-                <a:latin typeface="Arial" charset="0"/>
-                <a:ea typeface="ＭＳ Ｐゴシック" charset="0"/>
-                <a:cs typeface="ＭＳ Ｐゴシック" charset="0"/>
-              </a:rPr>
-              <a:t>, C. Schaefer</a:t>
-            </a:r>
-          </a:p>
-          <a:p>
-            <a:pPr eaLnBrk="1" hangingPunct="1">
-              <a:lnSpc>
-                <a:spcPct val="80000"/>
-              </a:lnSpc>
-            </a:pPr>
-            <a:r>
-              <a:rPr lang="en-US" sz="1100" dirty="0" err="1">
-                <a:latin typeface="Arial" charset="0"/>
-                <a:ea typeface="ＭＳ Ｐゴシック" charset="0"/>
-                <a:cs typeface="ＭＳ Ｐゴシック" charset="0"/>
-              </a:rPr>
-              <a:t>Università</a:t>
-            </a:r>
-            <a:r>
-              <a:rPr lang="en-US" sz="1100" dirty="0">
-                <a:latin typeface="Arial" charset="0"/>
-                <a:ea typeface="ＭＳ Ｐゴシック" charset="0"/>
-                <a:cs typeface="ＭＳ Ｐゴシック" charset="0"/>
-              </a:rPr>
-              <a:t> di Milano </a:t>
-            </a:r>
-            <a:r>
-              <a:rPr lang="en-US" sz="1100" dirty="0" err="1">
-                <a:latin typeface="Arial" charset="0"/>
-                <a:ea typeface="ＭＳ Ｐゴシック" charset="0"/>
-                <a:cs typeface="ＭＳ Ｐゴシック" charset="0"/>
-              </a:rPr>
-              <a:t>Bicocca</a:t>
-            </a:r>
-            <a:r>
-              <a:rPr lang="en-US" sz="1100" dirty="0">
-                <a:latin typeface="Arial" charset="0"/>
-                <a:ea typeface="ＭＳ Ｐゴシック" charset="0"/>
-                <a:cs typeface="ＭＳ Ｐゴシック" charset="0"/>
-              </a:rPr>
-              <a:t>, Pasteur, Rennes: A. </a:t>
-            </a:r>
-            <a:r>
-              <a:rPr lang="en-US" sz="1100" dirty="0" err="1">
-                <a:latin typeface="Arial" charset="0"/>
-                <a:ea typeface="ＭＳ Ｐゴシック" charset="0"/>
-                <a:cs typeface="ＭＳ Ｐゴシック" charset="0"/>
-              </a:rPr>
-              <a:t>Splendiani</a:t>
-            </a:r>
-            <a:endParaRPr lang="en-US" sz="1100" dirty="0">
-              <a:latin typeface="Arial" charset="0"/>
-              <a:ea typeface="ＭＳ Ｐゴシック" charset="0"/>
-              <a:cs typeface="ＭＳ Ｐゴシック" charset="0"/>
-            </a:endParaRPr>
-          </a:p>
-          <a:p>
-            <a:pPr eaLnBrk="1" hangingPunct="1">
-              <a:lnSpc>
-                <a:spcPct val="80000"/>
-              </a:lnSpc>
-            </a:pPr>
-            <a:r>
-              <a:rPr lang="en-US" sz="1100" dirty="0">
-                <a:latin typeface="Arial" charset="0"/>
-                <a:ea typeface="ＭＳ Ｐゴシック" charset="0"/>
-                <a:cs typeface="ＭＳ Ｐゴシック" charset="0"/>
-              </a:rPr>
-              <a:t>Vassar College: K. </a:t>
-            </a:r>
-            <a:r>
-              <a:rPr lang="en-US" sz="1100" dirty="0" err="1">
-                <a:latin typeface="Arial" charset="0"/>
-                <a:ea typeface="ＭＳ Ｐゴシック" charset="0"/>
-                <a:cs typeface="ＭＳ Ｐゴシック" charset="0"/>
-              </a:rPr>
-              <a:t>Dahlquist</a:t>
-            </a:r>
-            <a:endParaRPr lang="en-US" sz="1100" dirty="0">
-              <a:latin typeface="Arial" charset="0"/>
-              <a:ea typeface="ＭＳ Ｐゴシック" charset="0"/>
-              <a:cs typeface="ＭＳ Ｐゴシック" charset="0"/>
-            </a:endParaRPr>
-          </a:p>
-          <a:p>
-            <a:pPr eaLnBrk="1" hangingPunct="1">
-              <a:lnSpc>
-                <a:spcPct val="80000"/>
-              </a:lnSpc>
-            </a:pPr>
-            <a:r>
-              <a:rPr lang="en-US" sz="1100" dirty="0">
-                <a:latin typeface="Arial" charset="0"/>
-                <a:ea typeface="ＭＳ Ｐゴシック" charset="0"/>
-                <a:cs typeface="ＭＳ Ｐゴシック" charset="0"/>
-              </a:rPr>
-              <a:t>Columbia: A. </a:t>
-            </a:r>
-            <a:r>
-              <a:rPr lang="en-US" sz="1100" dirty="0" err="1">
-                <a:latin typeface="Arial" charset="0"/>
-                <a:ea typeface="ＭＳ Ｐゴシック" charset="0"/>
-                <a:cs typeface="ＭＳ Ｐゴシック" charset="0"/>
-              </a:rPr>
-              <a:t>Rzhetsky</a:t>
-            </a:r>
-            <a:endParaRPr lang="en-US" sz="1100" dirty="0">
-              <a:latin typeface="Arial" charset="0"/>
-              <a:ea typeface="ＭＳ Ｐゴシック" charset="0"/>
-              <a:cs typeface="ＭＳ Ｐゴシック" charset="0"/>
-            </a:endParaRPr>
-          </a:p>
-          <a:p>
-            <a:pPr eaLnBrk="1" hangingPunct="1">
-              <a:lnSpc>
-                <a:spcPct val="80000"/>
-              </a:lnSpc>
-            </a:pPr>
-            <a:endParaRPr lang="en-US" sz="1100" dirty="0">
-              <a:latin typeface="Arial" charset="0"/>
-              <a:ea typeface="ＭＳ Ｐゴシック" charset="0"/>
-              <a:cs typeface="ＭＳ Ｐゴシック" charset="0"/>
-            </a:endParaRPr>
-          </a:p>
-          <a:p>
-            <a:pPr eaLnBrk="1" hangingPunct="1">
-              <a:lnSpc>
-                <a:spcPct val="80000"/>
-              </a:lnSpc>
-              <a:buFontTx/>
-              <a:buNone/>
-            </a:pPr>
-            <a:r>
-              <a:rPr lang="en-US" sz="1800" dirty="0">
-                <a:latin typeface="Arial" charset="0"/>
-                <a:ea typeface="ＭＳ Ｐゴシック" charset="0"/>
-                <a:cs typeface="ＭＳ Ｐゴシック" charset="0"/>
-              </a:rPr>
-              <a:t>Collaborating Organizations</a:t>
-            </a:r>
-            <a:endParaRPr lang="en-US" sz="900" dirty="0">
-              <a:latin typeface="Arial" charset="0"/>
-              <a:ea typeface="ＭＳ Ｐゴシック" charset="0"/>
-              <a:cs typeface="ＭＳ Ｐゴシック" charset="0"/>
-            </a:endParaRPr>
-          </a:p>
-          <a:p>
-            <a:pPr eaLnBrk="1" hangingPunct="1">
-              <a:lnSpc>
-                <a:spcPct val="80000"/>
-              </a:lnSpc>
-            </a:pPr>
-            <a:r>
-              <a:rPr lang="en-US" sz="1100" dirty="0">
-                <a:latin typeface="Arial" charset="0"/>
-                <a:ea typeface="ＭＳ Ｐゴシック" charset="0"/>
-                <a:cs typeface="ＭＳ Ｐゴシック" charset="0"/>
-              </a:rPr>
-              <a:t>Proteomics Standards Initiative (PSI)</a:t>
-            </a:r>
-          </a:p>
-          <a:p>
-            <a:pPr eaLnBrk="1" hangingPunct="1">
-              <a:lnSpc>
-                <a:spcPct val="80000"/>
-              </a:lnSpc>
-            </a:pPr>
-            <a:r>
-              <a:rPr lang="en-US" sz="1100" dirty="0">
-                <a:latin typeface="Arial" charset="0"/>
-                <a:ea typeface="ＭＳ Ｐゴシック" charset="0"/>
-                <a:cs typeface="ＭＳ Ｐゴシック" charset="0"/>
-              </a:rPr>
-              <a:t>Systems Biology Markup Language (SBML)</a:t>
-            </a:r>
-          </a:p>
-          <a:p>
-            <a:pPr eaLnBrk="1" hangingPunct="1">
-              <a:lnSpc>
-                <a:spcPct val="80000"/>
-              </a:lnSpc>
-            </a:pPr>
-            <a:r>
-              <a:rPr lang="en-US" sz="1100" dirty="0" err="1">
-                <a:latin typeface="Arial" charset="0"/>
-                <a:ea typeface="ＭＳ Ｐゴシック" charset="0"/>
-                <a:cs typeface="ＭＳ Ｐゴシック" charset="0"/>
-              </a:rPr>
-              <a:t>CellML</a:t>
-            </a:r>
-            <a:endParaRPr lang="en-US" sz="1100" dirty="0">
-              <a:latin typeface="Arial" charset="0"/>
-              <a:ea typeface="ＭＳ Ｐゴシック" charset="0"/>
-              <a:cs typeface="ＭＳ Ｐゴシック" charset="0"/>
-            </a:endParaRPr>
-          </a:p>
-          <a:p>
-            <a:pPr eaLnBrk="1" hangingPunct="1">
-              <a:lnSpc>
-                <a:spcPct val="80000"/>
-              </a:lnSpc>
-            </a:pPr>
-            <a:r>
-              <a:rPr lang="en-US" sz="1100" dirty="0">
-                <a:latin typeface="Arial" charset="0"/>
-                <a:ea typeface="ＭＳ Ｐゴシック" charset="0"/>
-                <a:cs typeface="ＭＳ Ｐゴシック" charset="0"/>
-              </a:rPr>
-              <a:t>Chemical Markup Language (CML)</a:t>
-            </a:r>
-          </a:p>
-        </p:txBody>
-      </p:sp>
-      <p:sp>
-        <p:nvSpPr>
-          <p:cNvPr id="18436" name="Rectangle 4"/>
-          <p:cNvSpPr>
-            <a:spLocks noChangeArrowheads="1"/>
-          </p:cNvSpPr>
-          <p:nvPr/>
-        </p:nvSpPr>
-        <p:spPr bwMode="auto">
-          <a:xfrm>
-            <a:off x="4800600" y="1295400"/>
-            <a:ext cx="4343400" cy="3276600"/>
-          </a:xfrm>
-          <a:prstGeom prst="rect">
-            <a:avLst/>
-          </a:prstGeom>
-          <a:noFill/>
-          <a:ln>
-            <a:noFill/>
-          </a:ln>
-          <a:extLst>
-            <a:ext uri="{909E8E84-426E-40dd-AFC4-6F175D3DCCD1}">
-              <a14:hiddenFill xmlns="" xmlns:a14="http://schemas.microsoft.com/office/drawing/2010/main">
-                <a:solidFill>
-                  <a:srgbClr val="FFFFFF"/>
-                </a:solidFill>
-              </a14:hiddenFill>
-            </a:ext>
-            <a:ext uri="{91240B29-F687-4f45-9708-019B960494DF}">
-              <a14:hiddenLine xmlns="" xmlns:a14="http://schemas.microsoft.com/office/drawing/2010/main" w="9525">
-                <a:solidFill>
-                  <a:srgbClr val="000000"/>
-                </a:solidFill>
-                <a:miter lim="800000"/>
-                <a:headEnd/>
-                <a:tailEnd/>
-              </a14:hiddenLine>
-            </a:ext>
-          </a:extLst>
-        </p:spPr>
+            <a:endParaRPr lang="en-US" sz="1600" dirty="0" smtClean="0"/>
+          </a:p>
+        </p:txBody>
+      </p:sp>
+      <p:sp>
+        <p:nvSpPr>
+          <p:cNvPr id="22" name="Date Placeholder 3"/>
+          <p:cNvSpPr>
+            <a:spLocks noGrp="1"/>
+          </p:cNvSpPr>
+          <p:nvPr>
+            <p:ph type="dt" sz="half" idx="10"/>
+          </p:nvPr>
+        </p:nvSpPr>
+        <p:spPr/>
         <p:txBody>
           <a:bodyPr/>
           <a:lstStyle/>
           <a:p>
-            <a:pPr marL="342900" indent="-342900" eaLnBrk="1" hangingPunct="1">
-              <a:spcBef>
-                <a:spcPct val="20000"/>
-              </a:spcBef>
+            <a:pPr>
+              <a:defRPr/>
             </a:pPr>
-            <a:r>
-              <a:rPr lang="x-none" sz="2000" dirty="0" smtClean="0"/>
-              <a:t>Additional Projects</a:t>
-            </a:r>
-            <a:endParaRPr lang="en-US" sz="2000" dirty="0"/>
-          </a:p>
-          <a:p>
-            <a:pPr marL="342900" indent="-342900" eaLnBrk="1" hangingPunct="1">
-              <a:spcBef>
-                <a:spcPct val="20000"/>
-              </a:spcBef>
-              <a:buFont typeface="Arial"/>
-              <a:buChar char="•"/>
-            </a:pPr>
-            <a:r>
-              <a:rPr lang="en-US" sz="1400" dirty="0" smtClean="0"/>
-              <a:t>Gene Ontology</a:t>
-            </a:r>
-          </a:p>
-          <a:p>
-            <a:pPr marL="342900" indent="-342900" eaLnBrk="1" hangingPunct="1">
-              <a:spcBef>
-                <a:spcPct val="20000"/>
-              </a:spcBef>
-              <a:buFont typeface="Arial"/>
-              <a:buChar char="•"/>
-            </a:pPr>
-            <a:r>
-              <a:rPr lang="en-US" sz="1400" dirty="0" smtClean="0"/>
-              <a:t>CHEBI</a:t>
-            </a:r>
-          </a:p>
-          <a:p>
-            <a:pPr marL="342900" indent="-342900" eaLnBrk="1" hangingPunct="1">
-              <a:spcBef>
-                <a:spcPct val="20000"/>
-              </a:spcBef>
-              <a:buFont typeface="Arial"/>
-              <a:buChar char="•"/>
-            </a:pPr>
-            <a:r>
-              <a:rPr lang="en-US" sz="1400" dirty="0" err="1" smtClean="0"/>
-              <a:t>SwissProt</a:t>
-            </a:r>
-            <a:endParaRPr lang="en-US" sz="1400" dirty="0" smtClean="0"/>
-          </a:p>
-          <a:p>
-            <a:pPr marL="342900" indent="-342900" eaLnBrk="1" hangingPunct="1">
-              <a:spcBef>
-                <a:spcPct val="20000"/>
-              </a:spcBef>
-              <a:buFont typeface="Arial"/>
-              <a:buChar char="•"/>
-            </a:pPr>
-            <a:r>
-              <a:rPr lang="en-US" sz="1400" dirty="0" smtClean="0"/>
-              <a:t>UniChem</a:t>
-            </a:r>
-            <a:endParaRPr lang="en-US" sz="1400" dirty="0"/>
-          </a:p>
-          <a:p>
-            <a:pPr marL="342900" indent="-342900" eaLnBrk="1" hangingPunct="1">
-              <a:spcBef>
-                <a:spcPct val="20000"/>
-              </a:spcBef>
-              <a:buFont typeface="Arial"/>
-              <a:buChar char="•"/>
-            </a:pPr>
-            <a:r>
-              <a:rPr lang="en-US" sz="1400" dirty="0" smtClean="0"/>
-              <a:t>Protégé</a:t>
-            </a:r>
-            <a:r>
-              <a:rPr lang="en-US" sz="1400" dirty="0"/>
-              <a:t>, </a:t>
-            </a:r>
-            <a:r>
-              <a:rPr lang="en-US" sz="1400" dirty="0" err="1"/>
-              <a:t>U.Manchester</a:t>
-            </a:r>
-            <a:r>
-              <a:rPr lang="en-US" sz="1400" dirty="0"/>
-              <a:t>, </a:t>
-            </a:r>
-            <a:r>
-              <a:rPr lang="en-US" sz="1400" dirty="0" smtClean="0"/>
-              <a:t>Stanford</a:t>
-            </a:r>
-            <a:endParaRPr lang="en-US" sz="1400" dirty="0"/>
+            <a:fld id="{17AE4455-9103-41F8-8DAE-ABF8E7C4EAE8}" type="datetime1">
+              <a:rPr lang="en-US" smtClean="0"/>
+              <a:t>6/7/16</a:t>
+            </a:fld>
+            <a:endParaRPr lang="en-US" dirty="0"/>
           </a:p>
         </p:txBody>
       </p:sp>
     </p:spTree>
     <p:extLst>
       <p:ext uri="{BB962C8B-B14F-4D97-AF65-F5344CB8AC3E}">
-        <p14:creationId xmlns:p14="http://schemas.microsoft.com/office/powerpoint/2010/main" val="623283261"/>
+        <p14:creationId xmlns:p14="http://schemas.microsoft.com/office/powerpoint/2010/main" val="2586275699"/>
       </p:ext>
     </p:extLst>
   </p:cSld>
@@ -7035,6 +6381,901 @@
       </p:grpSpPr>
       <p:sp>
         <p:nvSpPr>
+          <p:cNvPr id="18434" name="Rectangle 2"/>
+          <p:cNvSpPr>
+            <a:spLocks noGrp="1" noChangeArrowheads="1"/>
+          </p:cNvSpPr>
+          <p:nvPr>
+            <p:ph type="title"/>
+          </p:nvPr>
+        </p:nvSpPr>
+        <p:spPr/>
+        <p:txBody>
+          <a:bodyPr/>
+          <a:lstStyle/>
+          <a:p>
+            <a:pPr eaLnBrk="1" hangingPunct="1"/>
+            <a:r>
+              <a:rPr lang="en-US" dirty="0" smtClean="0"/>
+              <a:t>Acknowledgements (2)</a:t>
+            </a:r>
+            <a:endParaRPr lang="en-US" dirty="0">
+              <a:latin typeface="Arial" charset="0"/>
+              <a:ea typeface="ＭＳ Ｐゴシック" charset="0"/>
+              <a:cs typeface="ＭＳ Ｐゴシック" charset="0"/>
+            </a:endParaRPr>
+          </a:p>
+        </p:txBody>
+      </p:sp>
+      <p:sp>
+        <p:nvSpPr>
+          <p:cNvPr id="18435" name="Rectangle 3"/>
+          <p:cNvSpPr>
+            <a:spLocks noGrp="1" noChangeArrowheads="1"/>
+          </p:cNvSpPr>
+          <p:nvPr>
+            <p:ph type="body" idx="1"/>
+          </p:nvPr>
+        </p:nvSpPr>
+        <p:spPr>
+          <a:xfrm>
+            <a:off x="152400" y="1371600"/>
+            <a:ext cx="4800600" cy="5029200"/>
+          </a:xfrm>
+        </p:spPr>
+        <p:txBody>
+          <a:bodyPr/>
+          <a:lstStyle/>
+          <a:p>
+            <a:pPr eaLnBrk="1" hangingPunct="1">
+              <a:lnSpc>
+                <a:spcPct val="80000"/>
+              </a:lnSpc>
+              <a:buFontTx/>
+              <a:buNone/>
+            </a:pPr>
+            <a:r>
+              <a:rPr lang="en-US" sz="1800" dirty="0">
+                <a:latin typeface="Arial" charset="0"/>
+                <a:ea typeface="ＭＳ Ｐゴシック" charset="0"/>
+                <a:cs typeface="ＭＳ Ｐゴシック" charset="0"/>
+              </a:rPr>
+              <a:t>Current Participants</a:t>
+            </a:r>
+            <a:endParaRPr lang="en-US" sz="900" dirty="0">
+              <a:latin typeface="Arial" charset="0"/>
+              <a:ea typeface="ＭＳ Ｐゴシック" charset="0"/>
+              <a:cs typeface="ＭＳ Ｐゴシック" charset="0"/>
+            </a:endParaRPr>
+          </a:p>
+          <a:p>
+            <a:pPr eaLnBrk="1" hangingPunct="1">
+              <a:lnSpc>
+                <a:spcPct val="80000"/>
+              </a:lnSpc>
+            </a:pPr>
+            <a:r>
+              <a:rPr lang="en-US" sz="1100" dirty="0" smtClean="0">
+                <a:latin typeface="Arial" charset="0"/>
+                <a:ea typeface="ＭＳ Ｐゴシック" charset="0"/>
+                <a:cs typeface="ＭＳ Ｐゴシック" charset="0"/>
+              </a:rPr>
+              <a:t>SRI </a:t>
+            </a:r>
+            <a:r>
+              <a:rPr lang="en-US" sz="1100" dirty="0">
+                <a:latin typeface="Arial" charset="0"/>
+                <a:ea typeface="ＭＳ Ｐゴシック" charset="0"/>
+                <a:cs typeface="ＭＳ Ｐゴシック" charset="0"/>
+              </a:rPr>
+              <a:t>Bioinformatics Research Group: P. Karp, S. Paley, J. Pick</a:t>
+            </a:r>
+          </a:p>
+          <a:p>
+            <a:pPr eaLnBrk="1" hangingPunct="1">
+              <a:lnSpc>
+                <a:spcPct val="80000"/>
+              </a:lnSpc>
+            </a:pPr>
+            <a:r>
+              <a:rPr lang="en-US" sz="1100" dirty="0" err="1" smtClean="0">
+                <a:latin typeface="Arial" charset="0"/>
+                <a:ea typeface="ＭＳ Ｐゴシック" charset="0"/>
+                <a:cs typeface="ＭＳ Ｐゴシック" charset="0"/>
+              </a:rPr>
+              <a:t>Université</a:t>
+            </a:r>
+            <a:r>
+              <a:rPr lang="en-US" sz="1100" dirty="0" smtClean="0">
+                <a:latin typeface="Arial" charset="0"/>
+                <a:ea typeface="ＭＳ Ｐゴシック" charset="0"/>
+                <a:cs typeface="ＭＳ Ｐゴシック" charset="0"/>
+              </a:rPr>
+              <a:t> </a:t>
+            </a:r>
+            <a:r>
+              <a:rPr lang="en-US" sz="1100" dirty="0" err="1">
+                <a:latin typeface="Arial" charset="0"/>
+                <a:ea typeface="ＭＳ Ｐゴシック" charset="0"/>
+                <a:cs typeface="ＭＳ Ｐゴシック" charset="0"/>
+              </a:rPr>
+              <a:t>Libre</a:t>
+            </a:r>
+            <a:r>
+              <a:rPr lang="en-US" sz="1100" dirty="0">
+                <a:latin typeface="Arial" charset="0"/>
+                <a:ea typeface="ＭＳ Ｐゴシック" charset="0"/>
+                <a:cs typeface="ＭＳ Ｐゴシック" charset="0"/>
+              </a:rPr>
+              <a:t> de </a:t>
+            </a:r>
+            <a:r>
+              <a:rPr lang="en-US" sz="1100" dirty="0" err="1">
+                <a:latin typeface="Arial" charset="0"/>
+                <a:ea typeface="ＭＳ Ｐゴシック" charset="0"/>
+                <a:cs typeface="ＭＳ Ｐゴシック" charset="0"/>
+              </a:rPr>
+              <a:t>Bruxelles</a:t>
+            </a:r>
+            <a:r>
+              <a:rPr lang="en-US" sz="1100" dirty="0">
+                <a:latin typeface="Arial" charset="0"/>
+                <a:ea typeface="ＭＳ Ｐゴシック" charset="0"/>
+                <a:cs typeface="ＭＳ Ｐゴシック" charset="0"/>
+              </a:rPr>
+              <a:t>: C. </a:t>
+            </a:r>
+            <a:r>
+              <a:rPr lang="en-US" sz="1100" dirty="0" err="1">
+                <a:latin typeface="Arial" charset="0"/>
+                <a:ea typeface="ＭＳ Ｐゴシック" charset="0"/>
+                <a:cs typeface="ＭＳ Ｐゴシック" charset="0"/>
+              </a:rPr>
+              <a:t>Lemer</a:t>
+            </a:r>
+            <a:endParaRPr lang="en-US" sz="1100" dirty="0">
+              <a:latin typeface="Arial" charset="0"/>
+              <a:ea typeface="ＭＳ Ｐゴシック" charset="0"/>
+              <a:cs typeface="ＭＳ Ｐゴシック" charset="0"/>
+            </a:endParaRPr>
+          </a:p>
+          <a:p>
+            <a:pPr eaLnBrk="1" hangingPunct="1">
+              <a:lnSpc>
+                <a:spcPct val="80000"/>
+              </a:lnSpc>
+            </a:pPr>
+            <a:r>
+              <a:rPr lang="en-US" sz="1100" dirty="0">
+                <a:latin typeface="Arial" charset="0"/>
+                <a:ea typeface="ＭＳ Ｐゴシック" charset="0"/>
+                <a:cs typeface="ＭＳ Ｐゴシック" charset="0"/>
+              </a:rPr>
+              <a:t>CBRC Japan: K. Fukuda</a:t>
+            </a:r>
+          </a:p>
+          <a:p>
+            <a:pPr eaLnBrk="1" hangingPunct="1">
+              <a:lnSpc>
+                <a:spcPct val="80000"/>
+              </a:lnSpc>
+            </a:pPr>
+            <a:r>
+              <a:rPr lang="en-US" sz="1100" dirty="0">
+                <a:latin typeface="Arial" charset="0"/>
+                <a:ea typeface="ＭＳ Ｐゴシック" charset="0"/>
+                <a:cs typeface="ＭＳ Ｐゴシック" charset="0"/>
+              </a:rPr>
+              <a:t>Dana Farber Cancer Institute: J. </a:t>
+            </a:r>
+            <a:r>
+              <a:rPr lang="en-US" sz="1100" dirty="0" err="1">
+                <a:latin typeface="Arial" charset="0"/>
+                <a:ea typeface="ＭＳ Ｐゴシック" charset="0"/>
+                <a:cs typeface="ＭＳ Ｐゴシック" charset="0"/>
+              </a:rPr>
+              <a:t>Zucker</a:t>
+            </a:r>
+            <a:endParaRPr lang="en-US" sz="1100" dirty="0">
+              <a:latin typeface="Arial" charset="0"/>
+              <a:ea typeface="ＭＳ Ｐゴシック" charset="0"/>
+              <a:cs typeface="ＭＳ Ｐゴシック" charset="0"/>
+            </a:endParaRPr>
+          </a:p>
+          <a:p>
+            <a:pPr eaLnBrk="1" hangingPunct="1">
+              <a:lnSpc>
+                <a:spcPct val="80000"/>
+              </a:lnSpc>
+            </a:pPr>
+            <a:r>
+              <a:rPr lang="en-US" sz="1100" dirty="0">
+                <a:latin typeface="Arial" charset="0"/>
+                <a:ea typeface="ＭＳ Ｐゴシック" charset="0"/>
+                <a:cs typeface="ＭＳ Ｐゴシック" charset="0"/>
+              </a:rPr>
+              <a:t>Millennium: J. Rees, A. </a:t>
+            </a:r>
+            <a:r>
+              <a:rPr lang="en-US" sz="1100" dirty="0" err="1">
+                <a:latin typeface="Arial" charset="0"/>
+                <a:ea typeface="ＭＳ Ｐゴシック" charset="0"/>
+                <a:cs typeface="ＭＳ Ｐゴシック" charset="0"/>
+              </a:rPr>
+              <a:t>Ruttenberg</a:t>
+            </a:r>
+            <a:endParaRPr lang="en-US" sz="1100" dirty="0">
+              <a:latin typeface="Arial" charset="0"/>
+              <a:ea typeface="ＭＳ Ｐゴシック" charset="0"/>
+              <a:cs typeface="ＭＳ Ｐゴシック" charset="0"/>
+            </a:endParaRPr>
+          </a:p>
+          <a:p>
+            <a:pPr eaLnBrk="1" hangingPunct="1">
+              <a:lnSpc>
+                <a:spcPct val="80000"/>
+              </a:lnSpc>
+            </a:pPr>
+            <a:r>
+              <a:rPr lang="en-US" sz="1100" dirty="0">
+                <a:latin typeface="Arial" charset="0"/>
+                <a:ea typeface="ＭＳ Ｐゴシック" charset="0"/>
+                <a:cs typeface="ＭＳ Ｐゴシック" charset="0"/>
+              </a:rPr>
+              <a:t>Cold Spring Harbor/EBI: G. Wu, M. Gillespie, P. </a:t>
+            </a:r>
+            <a:r>
+              <a:rPr lang="en-US" sz="1100" dirty="0" err="1">
+                <a:latin typeface="Arial" charset="0"/>
+                <a:ea typeface="ＭＳ Ｐゴシック" charset="0"/>
+                <a:cs typeface="ＭＳ Ｐゴシック" charset="0"/>
+              </a:rPr>
+              <a:t>D'Eustachio</a:t>
+            </a:r>
+            <a:r>
+              <a:rPr lang="en-US" sz="1100" dirty="0">
+                <a:latin typeface="Arial" charset="0"/>
+                <a:ea typeface="ＭＳ Ｐゴシック" charset="0"/>
+                <a:cs typeface="ＭＳ Ｐゴシック" charset="0"/>
+              </a:rPr>
+              <a:t>, I. </a:t>
+            </a:r>
+            <a:r>
+              <a:rPr lang="en-US" sz="1100" dirty="0" err="1">
+                <a:latin typeface="Arial" charset="0"/>
+                <a:ea typeface="ＭＳ Ｐゴシック" charset="0"/>
+                <a:cs typeface="ＭＳ Ｐゴシック" charset="0"/>
+              </a:rPr>
+              <a:t>Vastrik</a:t>
+            </a:r>
+            <a:r>
+              <a:rPr lang="en-US" sz="1100" dirty="0">
+                <a:latin typeface="Arial" charset="0"/>
+                <a:ea typeface="ＭＳ Ｐゴシック" charset="0"/>
+                <a:cs typeface="ＭＳ Ｐゴシック" charset="0"/>
+              </a:rPr>
+              <a:t>, L. Stein</a:t>
+            </a:r>
+          </a:p>
+          <a:p>
+            <a:pPr eaLnBrk="1" hangingPunct="1">
+              <a:lnSpc>
+                <a:spcPct val="80000"/>
+              </a:lnSpc>
+            </a:pPr>
+            <a:r>
+              <a:rPr lang="en-US" sz="1100" dirty="0" err="1">
+                <a:latin typeface="Arial" charset="0"/>
+                <a:ea typeface="ＭＳ Ｐゴシック" charset="0"/>
+                <a:cs typeface="ＭＳ Ｐゴシック" charset="0"/>
+              </a:rPr>
+              <a:t>BioPathways</a:t>
+            </a:r>
+            <a:r>
+              <a:rPr lang="en-US" sz="1100" dirty="0">
+                <a:latin typeface="Arial" charset="0"/>
+                <a:ea typeface="ＭＳ Ｐゴシック" charset="0"/>
+                <a:cs typeface="ＭＳ Ｐゴシック" charset="0"/>
+              </a:rPr>
+              <a:t> Consortium: J. Luciano, E. Neumann, A. </a:t>
+            </a:r>
+            <a:r>
+              <a:rPr lang="en-US" sz="1100" dirty="0" err="1">
+                <a:latin typeface="Arial" charset="0"/>
+                <a:ea typeface="ＭＳ Ｐゴシック" charset="0"/>
+                <a:cs typeface="ＭＳ Ｐゴシック" charset="0"/>
+              </a:rPr>
+              <a:t>Regev</a:t>
+            </a:r>
+            <a:r>
+              <a:rPr lang="en-US" sz="1100" dirty="0">
+                <a:latin typeface="Arial" charset="0"/>
+                <a:ea typeface="ＭＳ Ｐゴシック" charset="0"/>
+                <a:cs typeface="ＭＳ Ｐゴシック" charset="0"/>
+              </a:rPr>
+              <a:t>, V. </a:t>
+            </a:r>
+            <a:r>
+              <a:rPr lang="en-US" sz="1100" dirty="0" err="1">
+                <a:latin typeface="Arial" charset="0"/>
+                <a:ea typeface="ＭＳ Ｐゴシック" charset="0"/>
+                <a:cs typeface="ＭＳ Ｐゴシック" charset="0"/>
+              </a:rPr>
+              <a:t>Schachter</a:t>
+            </a:r>
+            <a:endParaRPr lang="en-US" sz="1100" dirty="0">
+              <a:latin typeface="Arial" charset="0"/>
+              <a:ea typeface="ＭＳ Ｐゴシック" charset="0"/>
+              <a:cs typeface="ＭＳ Ｐゴシック" charset="0"/>
+            </a:endParaRPr>
+          </a:p>
+          <a:p>
+            <a:pPr eaLnBrk="1" hangingPunct="1">
+              <a:lnSpc>
+                <a:spcPct val="80000"/>
+              </a:lnSpc>
+            </a:pPr>
+            <a:r>
+              <a:rPr lang="en-US" sz="1100" dirty="0">
+                <a:latin typeface="Arial" charset="0"/>
+                <a:ea typeface="ＭＳ Ｐゴシック" charset="0"/>
+                <a:cs typeface="ＭＳ Ｐゴシック" charset="0"/>
+              </a:rPr>
+              <a:t>Argonne National Laboratory: N. </a:t>
+            </a:r>
+            <a:r>
+              <a:rPr lang="en-US" sz="1100" dirty="0" err="1">
+                <a:latin typeface="Arial" charset="0"/>
+                <a:ea typeface="ＭＳ Ｐゴシック" charset="0"/>
+                <a:cs typeface="ＭＳ Ｐゴシック" charset="0"/>
+              </a:rPr>
+              <a:t>Maltsev</a:t>
+            </a:r>
+            <a:r>
+              <a:rPr lang="en-US" sz="1100" dirty="0">
+                <a:latin typeface="Arial" charset="0"/>
+                <a:ea typeface="ＭＳ Ｐゴシック" charset="0"/>
+                <a:cs typeface="ＭＳ Ｐゴシック" charset="0"/>
+              </a:rPr>
+              <a:t>, E. </a:t>
+            </a:r>
+            <a:r>
+              <a:rPr lang="en-US" sz="1100" dirty="0" err="1">
+                <a:latin typeface="Arial" charset="0"/>
+                <a:ea typeface="ＭＳ Ｐゴシック" charset="0"/>
+                <a:cs typeface="ＭＳ Ｐゴシック" charset="0"/>
+              </a:rPr>
+              <a:t>Marland</a:t>
+            </a:r>
+            <a:r>
+              <a:rPr lang="en-US" sz="1100" dirty="0">
+                <a:latin typeface="Arial" charset="0"/>
+                <a:ea typeface="ＭＳ Ｐゴシック" charset="0"/>
+                <a:cs typeface="ＭＳ Ｐゴシック" charset="0"/>
+              </a:rPr>
+              <a:t>, </a:t>
+            </a:r>
+            <a:r>
+              <a:rPr lang="en-US" sz="1100" dirty="0" err="1">
+                <a:latin typeface="Arial" charset="0"/>
+                <a:ea typeface="ＭＳ Ｐゴシック" charset="0"/>
+                <a:cs typeface="ＭＳ Ｐゴシック" charset="0"/>
+              </a:rPr>
+              <a:t>M.Syed</a:t>
+            </a:r>
+            <a:endParaRPr lang="en-US" sz="1100" dirty="0">
+              <a:latin typeface="Arial" charset="0"/>
+              <a:ea typeface="ＭＳ Ｐゴシック" charset="0"/>
+              <a:cs typeface="ＭＳ Ｐゴシック" charset="0"/>
+            </a:endParaRPr>
+          </a:p>
+          <a:p>
+            <a:pPr eaLnBrk="1" hangingPunct="1">
+              <a:lnSpc>
+                <a:spcPct val="80000"/>
+              </a:lnSpc>
+            </a:pPr>
+            <a:r>
+              <a:rPr lang="en-US" sz="1100" dirty="0">
+                <a:latin typeface="Arial" charset="0"/>
+                <a:ea typeface="ＭＳ Ｐゴシック" charset="0"/>
+                <a:cs typeface="ＭＳ Ｐゴシック" charset="0"/>
+              </a:rPr>
+              <a:t>Harvard: F. Gibbons</a:t>
+            </a:r>
+          </a:p>
+          <a:p>
+            <a:pPr eaLnBrk="1" hangingPunct="1">
+              <a:lnSpc>
+                <a:spcPct val="80000"/>
+              </a:lnSpc>
+            </a:pPr>
+            <a:r>
+              <a:rPr lang="en-US" sz="1100" dirty="0">
+                <a:latin typeface="Arial" charset="0"/>
+                <a:ea typeface="ＭＳ Ｐゴシック" charset="0"/>
+                <a:cs typeface="ＭＳ Ｐゴシック" charset="0"/>
+              </a:rPr>
+              <a:t>AstraZeneca: E. </a:t>
+            </a:r>
+            <a:r>
+              <a:rPr lang="en-US" sz="1100" dirty="0" err="1">
+                <a:latin typeface="Arial" charset="0"/>
+                <a:ea typeface="ＭＳ Ｐゴシック" charset="0"/>
+                <a:cs typeface="ＭＳ Ｐゴシック" charset="0"/>
+              </a:rPr>
+              <a:t>Pichler</a:t>
+            </a:r>
+            <a:endParaRPr lang="en-US" sz="1100" dirty="0">
+              <a:latin typeface="Arial" charset="0"/>
+              <a:ea typeface="ＭＳ Ｐゴシック" charset="0"/>
+              <a:cs typeface="ＭＳ Ｐゴシック" charset="0"/>
+            </a:endParaRPr>
+          </a:p>
+          <a:p>
+            <a:pPr eaLnBrk="1" hangingPunct="1">
+              <a:lnSpc>
+                <a:spcPct val="80000"/>
+              </a:lnSpc>
+            </a:pPr>
+            <a:r>
+              <a:rPr lang="en-US" sz="1100" dirty="0">
+                <a:latin typeface="Arial" charset="0"/>
+                <a:ea typeface="ＭＳ Ｐゴシック" charset="0"/>
+                <a:cs typeface="ＭＳ Ｐゴシック" charset="0"/>
+              </a:rPr>
+              <a:t>BIOBASE: E. </a:t>
+            </a:r>
+            <a:r>
+              <a:rPr lang="en-US" sz="1100" dirty="0" err="1">
+                <a:latin typeface="Arial" charset="0"/>
+                <a:ea typeface="ＭＳ Ｐゴシック" charset="0"/>
+                <a:cs typeface="ＭＳ Ｐゴシック" charset="0"/>
+              </a:rPr>
+              <a:t>Wingender</a:t>
+            </a:r>
+            <a:r>
+              <a:rPr lang="en-US" sz="1100" dirty="0">
+                <a:latin typeface="Arial" charset="0"/>
+                <a:ea typeface="ＭＳ Ｐゴシック" charset="0"/>
+                <a:cs typeface="ＭＳ Ｐゴシック" charset="0"/>
+              </a:rPr>
+              <a:t>, F. </a:t>
+            </a:r>
+            <a:r>
+              <a:rPr lang="en-US" sz="1100" dirty="0" err="1">
+                <a:latin typeface="Arial" charset="0"/>
+                <a:ea typeface="ＭＳ Ｐゴシック" charset="0"/>
+                <a:cs typeface="ＭＳ Ｐゴシック" charset="0"/>
+              </a:rPr>
+              <a:t>Schacherer</a:t>
+            </a:r>
+            <a:endParaRPr lang="en-US" sz="1100" dirty="0">
+              <a:latin typeface="Arial" charset="0"/>
+              <a:ea typeface="ＭＳ Ｐゴシック" charset="0"/>
+              <a:cs typeface="ＭＳ Ｐゴシック" charset="0"/>
+            </a:endParaRPr>
+          </a:p>
+          <a:p>
+            <a:pPr eaLnBrk="1" hangingPunct="1">
+              <a:lnSpc>
+                <a:spcPct val="80000"/>
+              </a:lnSpc>
+            </a:pPr>
+            <a:r>
+              <a:rPr lang="en-US" sz="1100" dirty="0">
+                <a:latin typeface="Arial" charset="0"/>
+                <a:ea typeface="ＭＳ Ｐゴシック" charset="0"/>
+                <a:cs typeface="ＭＳ Ｐゴシック" charset="0"/>
+              </a:rPr>
+              <a:t>NCI: M. </a:t>
+            </a:r>
+            <a:r>
+              <a:rPr lang="en-US" sz="1100" dirty="0" err="1">
+                <a:latin typeface="Arial" charset="0"/>
+                <a:ea typeface="ＭＳ Ｐゴシック" charset="0"/>
+                <a:cs typeface="ＭＳ Ｐゴシック" charset="0"/>
+              </a:rPr>
+              <a:t>Aladjem</a:t>
+            </a:r>
+            <a:r>
+              <a:rPr lang="en-US" sz="1100" dirty="0">
+                <a:latin typeface="Arial" charset="0"/>
+                <a:ea typeface="ＭＳ Ｐゴシック" charset="0"/>
+                <a:cs typeface="ＭＳ Ｐゴシック" charset="0"/>
+              </a:rPr>
+              <a:t>, C. Schaefer</a:t>
+            </a:r>
+          </a:p>
+          <a:p>
+            <a:pPr eaLnBrk="1" hangingPunct="1">
+              <a:lnSpc>
+                <a:spcPct val="80000"/>
+              </a:lnSpc>
+            </a:pPr>
+            <a:r>
+              <a:rPr lang="en-US" sz="1100" dirty="0" err="1">
+                <a:latin typeface="Arial" charset="0"/>
+                <a:ea typeface="ＭＳ Ｐゴシック" charset="0"/>
+                <a:cs typeface="ＭＳ Ｐゴシック" charset="0"/>
+              </a:rPr>
+              <a:t>Università</a:t>
+            </a:r>
+            <a:r>
+              <a:rPr lang="en-US" sz="1100" dirty="0">
+                <a:latin typeface="Arial" charset="0"/>
+                <a:ea typeface="ＭＳ Ｐゴシック" charset="0"/>
+                <a:cs typeface="ＭＳ Ｐゴシック" charset="0"/>
+              </a:rPr>
+              <a:t> di Milano </a:t>
+            </a:r>
+            <a:r>
+              <a:rPr lang="en-US" sz="1100" dirty="0" err="1">
+                <a:latin typeface="Arial" charset="0"/>
+                <a:ea typeface="ＭＳ Ｐゴシック" charset="0"/>
+                <a:cs typeface="ＭＳ Ｐゴシック" charset="0"/>
+              </a:rPr>
+              <a:t>Bicocca</a:t>
+            </a:r>
+            <a:r>
+              <a:rPr lang="en-US" sz="1100" dirty="0">
+                <a:latin typeface="Arial" charset="0"/>
+                <a:ea typeface="ＭＳ Ｐゴシック" charset="0"/>
+                <a:cs typeface="ＭＳ Ｐゴシック" charset="0"/>
+              </a:rPr>
+              <a:t>, Pasteur, Rennes: A. </a:t>
+            </a:r>
+            <a:r>
+              <a:rPr lang="en-US" sz="1100" dirty="0" err="1">
+                <a:latin typeface="Arial" charset="0"/>
+                <a:ea typeface="ＭＳ Ｐゴシック" charset="0"/>
+                <a:cs typeface="ＭＳ Ｐゴシック" charset="0"/>
+              </a:rPr>
+              <a:t>Splendiani</a:t>
+            </a:r>
+            <a:endParaRPr lang="en-US" sz="1100" dirty="0">
+              <a:latin typeface="Arial" charset="0"/>
+              <a:ea typeface="ＭＳ Ｐゴシック" charset="0"/>
+              <a:cs typeface="ＭＳ Ｐゴシック" charset="0"/>
+            </a:endParaRPr>
+          </a:p>
+          <a:p>
+            <a:pPr eaLnBrk="1" hangingPunct="1">
+              <a:lnSpc>
+                <a:spcPct val="80000"/>
+              </a:lnSpc>
+            </a:pPr>
+            <a:r>
+              <a:rPr lang="en-US" sz="1100" dirty="0">
+                <a:latin typeface="Arial" charset="0"/>
+                <a:ea typeface="ＭＳ Ｐゴシック" charset="0"/>
+                <a:cs typeface="ＭＳ Ｐゴシック" charset="0"/>
+              </a:rPr>
+              <a:t>Vassar College: K. </a:t>
+            </a:r>
+            <a:r>
+              <a:rPr lang="en-US" sz="1100" dirty="0" err="1">
+                <a:latin typeface="Arial" charset="0"/>
+                <a:ea typeface="ＭＳ Ｐゴシック" charset="0"/>
+                <a:cs typeface="ＭＳ Ｐゴシック" charset="0"/>
+              </a:rPr>
+              <a:t>Dahlquist</a:t>
+            </a:r>
+            <a:endParaRPr lang="en-US" sz="1100" dirty="0">
+              <a:latin typeface="Arial" charset="0"/>
+              <a:ea typeface="ＭＳ Ｐゴシック" charset="0"/>
+              <a:cs typeface="ＭＳ Ｐゴシック" charset="0"/>
+            </a:endParaRPr>
+          </a:p>
+          <a:p>
+            <a:pPr eaLnBrk="1" hangingPunct="1">
+              <a:lnSpc>
+                <a:spcPct val="80000"/>
+              </a:lnSpc>
+            </a:pPr>
+            <a:r>
+              <a:rPr lang="en-US" sz="1100" dirty="0">
+                <a:latin typeface="Arial" charset="0"/>
+                <a:ea typeface="ＭＳ Ｐゴシック" charset="0"/>
+                <a:cs typeface="ＭＳ Ｐゴシック" charset="0"/>
+              </a:rPr>
+              <a:t>Columbia: A. </a:t>
+            </a:r>
+            <a:r>
+              <a:rPr lang="en-US" sz="1100" dirty="0" err="1">
+                <a:latin typeface="Arial" charset="0"/>
+                <a:ea typeface="ＭＳ Ｐゴシック" charset="0"/>
+                <a:cs typeface="ＭＳ Ｐゴシック" charset="0"/>
+              </a:rPr>
+              <a:t>Rzhetsky</a:t>
+            </a:r>
+            <a:endParaRPr lang="en-US" sz="1100" dirty="0">
+              <a:latin typeface="Arial" charset="0"/>
+              <a:ea typeface="ＭＳ Ｐゴシック" charset="0"/>
+              <a:cs typeface="ＭＳ Ｐゴシック" charset="0"/>
+            </a:endParaRPr>
+          </a:p>
+          <a:p>
+            <a:pPr eaLnBrk="1" hangingPunct="1">
+              <a:lnSpc>
+                <a:spcPct val="80000"/>
+              </a:lnSpc>
+            </a:pPr>
+            <a:endParaRPr lang="en-US" sz="1100" dirty="0">
+              <a:latin typeface="Arial" charset="0"/>
+              <a:ea typeface="ＭＳ Ｐゴシック" charset="0"/>
+              <a:cs typeface="ＭＳ Ｐゴシック" charset="0"/>
+            </a:endParaRPr>
+          </a:p>
+          <a:p>
+            <a:pPr eaLnBrk="1" hangingPunct="1">
+              <a:lnSpc>
+                <a:spcPct val="80000"/>
+              </a:lnSpc>
+              <a:buFontTx/>
+              <a:buNone/>
+            </a:pPr>
+            <a:r>
+              <a:rPr lang="en-US" sz="1800" dirty="0">
+                <a:latin typeface="Arial" charset="0"/>
+                <a:ea typeface="ＭＳ Ｐゴシック" charset="0"/>
+                <a:cs typeface="ＭＳ Ｐゴシック" charset="0"/>
+              </a:rPr>
+              <a:t>Collaborating Organizations</a:t>
+            </a:r>
+            <a:endParaRPr lang="en-US" sz="900" dirty="0">
+              <a:latin typeface="Arial" charset="0"/>
+              <a:ea typeface="ＭＳ Ｐゴシック" charset="0"/>
+              <a:cs typeface="ＭＳ Ｐゴシック" charset="0"/>
+            </a:endParaRPr>
+          </a:p>
+          <a:p>
+            <a:pPr eaLnBrk="1" hangingPunct="1">
+              <a:lnSpc>
+                <a:spcPct val="80000"/>
+              </a:lnSpc>
+            </a:pPr>
+            <a:r>
+              <a:rPr lang="en-US" sz="1100" dirty="0">
+                <a:latin typeface="Arial" charset="0"/>
+                <a:ea typeface="ＭＳ Ｐゴシック" charset="0"/>
+                <a:cs typeface="ＭＳ Ｐゴシック" charset="0"/>
+              </a:rPr>
+              <a:t>Proteomics Standards Initiative (PSI)</a:t>
+            </a:r>
+          </a:p>
+          <a:p>
+            <a:pPr eaLnBrk="1" hangingPunct="1">
+              <a:lnSpc>
+                <a:spcPct val="80000"/>
+              </a:lnSpc>
+            </a:pPr>
+            <a:r>
+              <a:rPr lang="en-US" sz="1100" dirty="0">
+                <a:latin typeface="Arial" charset="0"/>
+                <a:ea typeface="ＭＳ Ｐゴシック" charset="0"/>
+                <a:cs typeface="ＭＳ Ｐゴシック" charset="0"/>
+              </a:rPr>
+              <a:t>Systems Biology Markup Language (SBML)</a:t>
+            </a:r>
+          </a:p>
+          <a:p>
+            <a:pPr eaLnBrk="1" hangingPunct="1">
+              <a:lnSpc>
+                <a:spcPct val="80000"/>
+              </a:lnSpc>
+            </a:pPr>
+            <a:r>
+              <a:rPr lang="en-US" sz="1100" dirty="0" err="1">
+                <a:latin typeface="Arial" charset="0"/>
+                <a:ea typeface="ＭＳ Ｐゴシック" charset="0"/>
+                <a:cs typeface="ＭＳ Ｐゴシック" charset="0"/>
+              </a:rPr>
+              <a:t>CellML</a:t>
+            </a:r>
+            <a:endParaRPr lang="en-US" sz="1100" dirty="0">
+              <a:latin typeface="Arial" charset="0"/>
+              <a:ea typeface="ＭＳ Ｐゴシック" charset="0"/>
+              <a:cs typeface="ＭＳ Ｐゴシック" charset="0"/>
+            </a:endParaRPr>
+          </a:p>
+          <a:p>
+            <a:pPr eaLnBrk="1" hangingPunct="1">
+              <a:lnSpc>
+                <a:spcPct val="80000"/>
+              </a:lnSpc>
+            </a:pPr>
+            <a:r>
+              <a:rPr lang="en-US" sz="1100" dirty="0">
+                <a:latin typeface="Arial" charset="0"/>
+                <a:ea typeface="ＭＳ Ｐゴシック" charset="0"/>
+                <a:cs typeface="ＭＳ Ｐゴシック" charset="0"/>
+              </a:rPr>
+              <a:t>Chemical Markup Language (CML)</a:t>
+            </a:r>
+          </a:p>
+        </p:txBody>
+      </p:sp>
+      <p:sp>
+        <p:nvSpPr>
+          <p:cNvPr id="18436" name="Rectangle 4"/>
+          <p:cNvSpPr>
+            <a:spLocks noChangeArrowheads="1"/>
+          </p:cNvSpPr>
+          <p:nvPr/>
+        </p:nvSpPr>
+        <p:spPr bwMode="auto">
+          <a:xfrm>
+            <a:off x="4800600" y="1295400"/>
+            <a:ext cx="4343400" cy="3276600"/>
+          </a:xfrm>
+          <a:prstGeom prst="rect">
+            <a:avLst/>
+          </a:prstGeom>
+          <a:noFill/>
+          <a:ln>
+            <a:noFill/>
+          </a:ln>
+          <a:extLst>
+            <a:ext uri="{909E8E84-426E-40dd-AFC4-6F175D3DCCD1}">
+              <a14:hiddenFill xmlns="" xmlns:a14="http://schemas.microsoft.com/office/drawing/2010/main">
+                <a:solidFill>
+                  <a:srgbClr val="FFFFFF"/>
+                </a:solidFill>
+              </a14:hiddenFill>
+            </a:ext>
+            <a:ext uri="{91240B29-F687-4f45-9708-019B960494DF}">
+              <a14:hiddenLine xmlns="" xmlns:a14="http://schemas.microsoft.com/office/drawing/2010/main" w="9525">
+                <a:solidFill>
+                  <a:srgbClr val="000000"/>
+                </a:solidFill>
+                <a:miter lim="800000"/>
+                <a:headEnd/>
+                <a:tailEnd/>
+              </a14:hiddenLine>
+            </a:ext>
+          </a:extLst>
+        </p:spPr>
+        <p:txBody>
+          <a:bodyPr/>
+          <a:lstStyle/>
+          <a:p>
+            <a:pPr marL="342900" indent="-342900" eaLnBrk="1" hangingPunct="1">
+              <a:spcBef>
+                <a:spcPct val="20000"/>
+              </a:spcBef>
+            </a:pPr>
+            <a:r>
+              <a:rPr lang="x-none" sz="2000" dirty="0" smtClean="0"/>
+              <a:t>Additional Projects</a:t>
+            </a:r>
+            <a:endParaRPr lang="en-US" sz="2000" dirty="0"/>
+          </a:p>
+          <a:p>
+            <a:pPr marL="342900" indent="-342900" eaLnBrk="1" hangingPunct="1">
+              <a:spcBef>
+                <a:spcPct val="20000"/>
+              </a:spcBef>
+              <a:buFont typeface="Arial"/>
+              <a:buChar char="•"/>
+            </a:pPr>
+            <a:r>
+              <a:rPr lang="en-US" sz="1400" dirty="0" smtClean="0"/>
+              <a:t>Gene Ontology</a:t>
+            </a:r>
+          </a:p>
+          <a:p>
+            <a:pPr marL="342900" indent="-342900" eaLnBrk="1" hangingPunct="1">
+              <a:spcBef>
+                <a:spcPct val="20000"/>
+              </a:spcBef>
+              <a:buFont typeface="Arial"/>
+              <a:buChar char="•"/>
+            </a:pPr>
+            <a:r>
+              <a:rPr lang="en-US" sz="1400" dirty="0" smtClean="0"/>
+              <a:t>CHEBI</a:t>
+            </a:r>
+          </a:p>
+          <a:p>
+            <a:pPr marL="342900" indent="-342900" eaLnBrk="1" hangingPunct="1">
+              <a:spcBef>
+                <a:spcPct val="20000"/>
+              </a:spcBef>
+              <a:buFont typeface="Arial"/>
+              <a:buChar char="•"/>
+            </a:pPr>
+            <a:r>
+              <a:rPr lang="en-US" sz="1400" dirty="0" err="1" smtClean="0"/>
+              <a:t>SwissProt</a:t>
+            </a:r>
+            <a:endParaRPr lang="en-US" sz="1400" dirty="0" smtClean="0"/>
+          </a:p>
+          <a:p>
+            <a:pPr marL="342900" indent="-342900" eaLnBrk="1" hangingPunct="1">
+              <a:spcBef>
+                <a:spcPct val="20000"/>
+              </a:spcBef>
+              <a:buFont typeface="Arial"/>
+              <a:buChar char="•"/>
+            </a:pPr>
+            <a:r>
+              <a:rPr lang="en-US" sz="1400" dirty="0" smtClean="0"/>
+              <a:t>UniChem</a:t>
+            </a:r>
+            <a:endParaRPr lang="en-US" sz="1400" dirty="0"/>
+          </a:p>
+          <a:p>
+            <a:pPr marL="342900" indent="-342900" eaLnBrk="1" hangingPunct="1">
+              <a:spcBef>
+                <a:spcPct val="20000"/>
+              </a:spcBef>
+              <a:buFont typeface="Arial"/>
+              <a:buChar char="•"/>
+            </a:pPr>
+            <a:r>
+              <a:rPr lang="en-US" sz="1400" dirty="0" smtClean="0"/>
+              <a:t>Protégé</a:t>
+            </a:r>
+            <a:r>
+              <a:rPr lang="en-US" sz="1400" dirty="0"/>
+              <a:t>, </a:t>
+            </a:r>
+            <a:r>
+              <a:rPr lang="en-US" sz="1400" dirty="0" err="1"/>
+              <a:t>U.Manchester</a:t>
+            </a:r>
+            <a:r>
+              <a:rPr lang="en-US" sz="1400" dirty="0"/>
+              <a:t>, </a:t>
+            </a:r>
+            <a:r>
+              <a:rPr lang="en-US" sz="1400" dirty="0" smtClean="0"/>
+              <a:t>Stanford</a:t>
+            </a:r>
+            <a:endParaRPr lang="en-US" sz="1400" dirty="0"/>
+          </a:p>
+        </p:txBody>
+      </p:sp>
+    </p:spTree>
+    <p:extLst>
+      <p:ext uri="{BB962C8B-B14F-4D97-AF65-F5344CB8AC3E}">
+        <p14:creationId xmlns:p14="http://schemas.microsoft.com/office/powerpoint/2010/main" val="623283261"/>
+      </p:ext>
+    </p:extLst>
+  </p:cSld>
+  <p:clrMapOvr>
+    <a:masterClrMapping/>
+  </p:clrMapOvr>
+  <p:timing>
+    <p:tnLst>
+      <p:par>
+        <p:cTn id="1" dur="indefinite" restart="never" nodeType="tmRoot"/>
+      </p:par>
+    </p:tnLst>
+  </p:timing>
+</p:sld>
+</file>
+
+<file path=ppt/slides/slide12.xml><?xml version="1.0" encoding="utf-8"?>
+<p:sld xmlns:a="http://schemas.openxmlformats.org/drawingml/2006/main" xmlns:r="http://schemas.openxmlformats.org/officeDocument/2006/relationships" xmlns:p="http://schemas.openxmlformats.org/presentationml/2006/main">
+  <p:cSld>
+    <p:spTree>
+      <p:nvGrpSpPr>
+        <p:cNvPr id="1" name=""/>
+        <p:cNvGrpSpPr/>
+        <p:nvPr/>
+      </p:nvGrpSpPr>
+      <p:grpSpPr>
+        <a:xfrm>
+          <a:off x="0" y="0"/>
+          <a:ext cx="0" cy="0"/>
+          <a:chOff x="0" y="0"/>
+          <a:chExt cx="0" cy="0"/>
+        </a:xfrm>
+      </p:grpSpPr>
+      <p:sp>
+        <p:nvSpPr>
           <p:cNvPr id="2" name="Title 1"/>
           <p:cNvSpPr>
             <a:spLocks noGrp="1"/>
@@ -7091,7 +7332,7 @@
             </a:pPr>
             <a:fld id="{31DD4A03-2ACC-45B7-8B3B-018D5F6C533E}" type="datetime1">
               <a:rPr lang="en-US" smtClean="0"/>
-              <a:t>6/2/16</a:t>
+              <a:t>6/7/16</a:t>
             </a:fld>
             <a:endParaRPr lang="en-US"/>
           </a:p>
@@ -7190,7 +7431,7 @@
             </a:pPr>
             <a:fld id="{31DD4A03-2ACC-45B7-8B3B-018D5F6C533E}" type="datetime1">
               <a:rPr lang="en-US" smtClean="0"/>
-              <a:t>6/2/16</a:t>
+              <a:t>6/7/16</a:t>
             </a:fld>
             <a:endParaRPr lang="en-US"/>
           </a:p>
@@ -7398,7 +7639,7 @@
           <a:graphicData uri="http://schemas.openxmlformats.org/presentationml/2006/ole">
             <mc:AlternateContent xmlns:mc="http://schemas.openxmlformats.org/markup-compatibility/2006">
               <mc:Choice xmlns:v="urn:schemas-microsoft-com:vml" Requires="v">
-                <p:oleObj spid="_x0000_s3088" name="Document" r:id="rId3" imgW="5943600" imgH="2628900" progId="Word.Document.12">
+                <p:oleObj spid="_x0000_s3096" name="Document" r:id="rId3" imgW="5943600" imgH="2628900" progId="Word.Document.12">
                   <p:link updateAutomatic="1"/>
                 </p:oleObj>
               </mc:Choice>
@@ -7493,9 +7734,121 @@
           <a:lstStyle/>
           <a:p>
             <a:r>
+              <a:rPr lang="en-US" dirty="0" smtClean="0"/>
+              <a:t>From Pathway Diagrams to </a:t>
+            </a:r>
+            <a:r>
               <a:rPr lang="en-US" dirty="0" err="1" smtClean="0"/>
               <a:t>BioPAX</a:t>
             </a:r>
+            <a:endParaRPr lang="en-US" dirty="0"/>
+          </a:p>
+        </p:txBody>
+      </p:sp>
+      <p:pic>
+        <p:nvPicPr>
+          <p:cNvPr id="5" name="Content Placeholder 4"/>
+          <p:cNvPicPr>
+            <a:picLocks noGrp="1" noChangeAspect="1"/>
+          </p:cNvPicPr>
+          <p:nvPr>
+            <p:ph idx="1"/>
+          </p:nvPr>
+        </p:nvPicPr>
+        <p:blipFill>
+          <a:blip r:embed="rId2">
+            <a:extLst>
+              <a:ext uri="{28A0092B-C50C-407E-A947-70E740481C1C}">
+                <a14:useLocalDpi xmlns:a14="http://schemas.microsoft.com/office/drawing/2010/main" val="0"/>
+              </a:ext>
+            </a:extLst>
+          </a:blip>
+          <a:stretch>
+            <a:fillRect/>
+          </a:stretch>
+        </p:blipFill>
+        <p:spPr>
+          <a:xfrm>
+            <a:off x="2324100" y="1263582"/>
+            <a:ext cx="4495800" cy="5213418"/>
+          </a:xfrm>
+        </p:spPr>
+      </p:pic>
+      <p:sp>
+        <p:nvSpPr>
+          <p:cNvPr id="4" name="Date Placeholder 3"/>
+          <p:cNvSpPr>
+            <a:spLocks noGrp="1"/>
+          </p:cNvSpPr>
+          <p:nvPr>
+            <p:ph type="dt" sz="half" idx="10"/>
+          </p:nvPr>
+        </p:nvSpPr>
+        <p:spPr/>
+        <p:txBody>
+          <a:bodyPr/>
+          <a:lstStyle/>
+          <a:p>
+            <a:pPr>
+              <a:defRPr/>
+            </a:pPr>
+            <a:fld id="{31DD4A03-2ACC-45B7-8B3B-018D5F6C533E}" type="datetime1">
+              <a:rPr lang="en-US" smtClean="0"/>
+              <a:t>6/7/16</a:t>
+            </a:fld>
+            <a:endParaRPr lang="en-US"/>
+          </a:p>
+        </p:txBody>
+      </p:sp>
+    </p:spTree>
+    <p:extLst>
+      <p:ext uri="{BB962C8B-B14F-4D97-AF65-F5344CB8AC3E}">
+        <p14:creationId xmlns:p14="http://schemas.microsoft.com/office/powerpoint/2010/main" val="974535508"/>
+      </p:ext>
+    </p:extLst>
+  </p:cSld>
+  <p:clrMapOvr>
+    <a:masterClrMapping/>
+  </p:clrMapOvr>
+</p:sld>
+</file>
+
+<file path=ppt/slides/slide4.xml><?xml version="1.0" encoding="utf-8"?>
+<p:sld xmlns:a="http://schemas.openxmlformats.org/drawingml/2006/main" xmlns:r="http://schemas.openxmlformats.org/officeDocument/2006/relationships" xmlns:p="http://schemas.openxmlformats.org/presentationml/2006/main">
+  <p:cSld>
+    <p:spTree>
+      <p:nvGrpSpPr>
+        <p:cNvPr id="1" name=""/>
+        <p:cNvGrpSpPr/>
+        <p:nvPr/>
+      </p:nvGrpSpPr>
+      <p:grpSpPr>
+        <a:xfrm>
+          <a:off x="0" y="0"/>
+          <a:ext cx="0" cy="0"/>
+          <a:chOff x="0" y="0"/>
+          <a:chExt cx="0" cy="0"/>
+        </a:xfrm>
+      </p:grpSpPr>
+      <p:sp>
+        <p:nvSpPr>
+          <p:cNvPr id="2" name="Title 1"/>
+          <p:cNvSpPr>
+            <a:spLocks noGrp="1"/>
+          </p:cNvSpPr>
+          <p:nvPr>
+            <p:ph type="title"/>
+          </p:nvPr>
+        </p:nvSpPr>
+        <p:spPr/>
+        <p:txBody>
+          <a:bodyPr/>
+          <a:lstStyle/>
+          <a:p>
+            <a:r>
+              <a:rPr lang="en-US" dirty="0" err="1" smtClean="0"/>
+              <a:t>BioPAX</a:t>
+            </a:r>
             <a:r>
               <a:rPr lang="en-US" dirty="0" smtClean="0"/>
               <a:t> </a:t>
@@ -7506,7 +7859,7 @@
             </a:r>
             <a:r>
               <a:rPr lang="en-US" dirty="0" err="1" smtClean="0"/>
-              <a:t>biopax.github.io</a:t>
+              <a:t>biopax.org</a:t>
             </a:r>
             <a:r>
               <a:rPr lang="en-US" dirty="0" smtClean="0"/>
@@ -7611,28 +7964,25 @@
             </a:r>
             <a:r>
               <a:rPr lang="en-US" sz="2000" dirty="0"/>
-              <a:t> </a:t>
-            </a:r>
-            <a:r>
-              <a:rPr lang="en-US" sz="2000" dirty="0" smtClean="0"/>
-              <a:t>(</a:t>
-            </a:r>
-            <a:r>
-              <a:rPr lang="en-US" sz="2000" dirty="0" err="1" smtClean="0"/>
+              <a:t> (</a:t>
+            </a:r>
+            <a:r>
+              <a:rPr lang="en-US" sz="2000" dirty="0" err="1"/>
               <a:t>biopax.github.io</a:t>
             </a:r>
             <a:r>
-              <a:rPr lang="en-US" sz="2000" dirty="0" smtClean="0"/>
+              <a:rPr lang="en-US" sz="2000" dirty="0"/>
               <a:t>/</a:t>
             </a:r>
             <a:r>
-              <a:rPr lang="en-US" sz="2000" dirty="0" err="1" smtClean="0"/>
+              <a:rPr lang="en-US" sz="2000" dirty="0" err="1"/>
               <a:t>Paxtools</a:t>
             </a:r>
             <a:r>
-              <a:rPr lang="en-US" sz="2000" dirty="0" smtClean="0"/>
+              <a:rPr lang="en-US" sz="2000" dirty="0"/>
               <a:t>)</a:t>
             </a:r>
+            <a:endParaRPr lang="en-US" sz="2000" dirty="0" smtClean="0"/>
           </a:p>
           <a:p>
             <a:pPr lvl="1" eaLnBrk="1" hangingPunct="1"/>
@@ -7667,7 +8017,7 @@
             </a:pPr>
             <a:fld id="{31DD4A03-2ACC-45B7-8B3B-018D5F6C533E}" type="datetime1">
               <a:rPr lang="en-US" smtClean="0"/>
-              <a:t>6/2/16</a:t>
+              <a:t>6/7/16</a:t>
             </a:fld>
             <a:endParaRPr lang="en-US"/>
           </a:p>
@@ -7787,7 +8137,7 @@
 </p:sld>
 </file>
 
-<file path=ppt/slides/slide4.xml><?xml version="1.0" encoding="utf-8"?>
+<file path=ppt/slides/slide5.xml><?xml version="1.0" encoding="utf-8"?>
 <p:sld xmlns:a="http://schemas.openxmlformats.org/drawingml/2006/main" xmlns:r="http://schemas.openxmlformats.org/officeDocument/2006/relationships" xmlns:p="http://schemas.openxmlformats.org/presentationml/2006/main">
   <p:cSld>
     <p:spTree>
@@ -7851,7 +8201,7 @@
             </a:pPr>
             <a:fld id="{31DD4A03-2ACC-45B7-8B3B-018D5F6C533E}" type="datetime1">
               <a:rPr lang="en-US" smtClean="0"/>
-              <a:t>6/2/16</a:t>
+              <a:t>6/7/16</a:t>
             </a:fld>
             <a:endParaRPr lang="en-US"/>
           </a:p>
@@ -8341,7 +8691,7 @@
 </p:sld>
 </file>
 
-<file path=ppt/slides/slide5.xml><?xml version="1.0" encoding="utf-8"?>
+<file path=ppt/slides/slide6.xml><?xml version="1.0" encoding="utf-8"?>
 <p:sld xmlns:a="http://schemas.openxmlformats.org/drawingml/2006/main" xmlns:r="http://schemas.openxmlformats.org/officeDocument/2006/relationships" xmlns:p="http://schemas.openxmlformats.org/presentationml/2006/main">
   <p:cSld>
     <p:spTree>
@@ -8405,7 +8755,7 @@
             </a:pPr>
             <a:fld id="{31DD4A03-2ACC-45B7-8B3B-018D5F6C533E}" type="datetime1">
               <a:rPr lang="en-US" smtClean="0"/>
-              <a:t>6/2/16</a:t>
+              <a:t>6/7/16</a:t>
             </a:fld>
             <a:endParaRPr lang="en-US"/>
           </a:p>
@@ -8851,7 +9201,7 @@
 </p:sld>
 </file>
 
-<file path=ppt/slides/slide6.xml><?xml version="1.0" encoding="utf-8"?>
+<file path=ppt/slides/slide7.xml><?xml version="1.0" encoding="utf-8"?>
 <p:sld xmlns:a="http://schemas.openxmlformats.org/drawingml/2006/main" xmlns:r="http://schemas.openxmlformats.org/officeDocument/2006/relationships" xmlns:p="http://schemas.openxmlformats.org/presentationml/2006/main">
   <p:cSld>
     <p:spTree>
@@ -8922,7 +9272,7 @@
             </a:pPr>
             <a:fld id="{31DD4A03-2ACC-45B7-8B3B-018D5F6C533E}" type="datetime1">
               <a:rPr lang="en-US" smtClean="0"/>
-              <a:t>6/2/16</a:t>
+              <a:t>6/7/16</a:t>
             </a:fld>
             <a:endParaRPr lang="en-US"/>
           </a:p>
@@ -8995,7 +9345,7 @@
 </p:sld>
 </file>
 
-<file path=ppt/slides/slide7.xml><?xml version="1.0" encoding="utf-8"?>
+<file path=ppt/slides/slide8.xml><?xml version="1.0" encoding="utf-8"?>
 <p:sld xmlns:a="http://schemas.openxmlformats.org/drawingml/2006/main" xmlns:r="http://schemas.openxmlformats.org/officeDocument/2006/relationships" xmlns:p="http://schemas.openxmlformats.org/presentationml/2006/main">
   <p:cSld>
     <p:spTree>
@@ -9092,7 +9442,7 @@
             </a:pPr>
             <a:fld id="{C7F3172B-3621-44DC-8A34-F740EDE6917F}" type="datetime1">
               <a:rPr lang="en-US" smtClean="0"/>
-              <a:t>6/2/16</a:t>
+              <a:t>6/7/16</a:t>
             </a:fld>
             <a:endParaRPr lang="en-US"/>
           </a:p>
@@ -10614,7 +10964,7 @@
 </p:sld>
 </file>
 
-<file path=ppt/slides/slide8.xml><?xml version="1.0" encoding="utf-8"?>
+<file path=ppt/slides/slide9.xml><?xml version="1.0" encoding="utf-8"?>
 <p:sld xmlns:a="http://schemas.openxmlformats.org/drawingml/2006/main" xmlns:r="http://schemas.openxmlformats.org/officeDocument/2006/relationships" xmlns:p="http://schemas.openxmlformats.org/presentationml/2006/main">
   <p:cSld>
     <p:spTree>
@@ -10712,7 +11062,7 @@
             </a:pPr>
             <a:fld id="{31DD4A03-2ACC-45B7-8B3B-018D5F6C533E}" type="datetime1">
               <a:rPr lang="en-US" smtClean="0"/>
-              <a:t>6/2/16</a:t>
+              <a:t>6/7/16</a:t>
             </a:fld>
             <a:endParaRPr lang="en-US"/>
           </a:p>
@@ -10766,238 +11116,6 @@
   <p:clrMapOvr>
     <a:masterClrMapping/>
   </p:clrMapOvr>
-</p:sld>
-</file>
-
-<file path=ppt/slides/slide9.xml><?xml version="1.0" encoding="utf-8"?>
-<p:sld xmlns:a="http://schemas.openxmlformats.org/drawingml/2006/main" xmlns:r="http://schemas.openxmlformats.org/officeDocument/2006/relationships" xmlns:p="http://schemas.openxmlformats.org/presentationml/2006/main">
-  <p:cSld>
-    <p:spTree>
-      <p:nvGrpSpPr>
-        <p:cNvPr id="1" name=""/>
-        <p:cNvGrpSpPr/>
-        <p:nvPr/>
-      </p:nvGrpSpPr>
-      <p:grpSpPr>
-        <a:xfrm>
-          <a:off x="0" y="0"/>
-          <a:ext cx="0" cy="0"/>
-          <a:chOff x="0" y="0"/>
-          <a:chExt cx="0" cy="0"/>
-        </a:xfrm>
-      </p:grpSpPr>
-      <p:sp>
-        <p:nvSpPr>
-          <p:cNvPr id="2" name="Title 1"/>
-          <p:cNvSpPr>
-            <a:spLocks noGrp="1"/>
-          </p:cNvSpPr>
-          <p:nvPr>
-            <p:ph type="title"/>
-          </p:nvPr>
-        </p:nvSpPr>
-        <p:spPr/>
-        <p:txBody>
-          <a:bodyPr/>
-          <a:lstStyle/>
-          <a:p>
-            <a:r>
-              <a:rPr lang="en-US" dirty="0" smtClean="0"/>
-              <a:t>Acknowledgements: Main Team</a:t>
-            </a:r>
-            <a:endParaRPr lang="en-US" dirty="0"/>
-          </a:p>
-        </p:txBody>
-      </p:sp>
-      <p:sp>
-        <p:nvSpPr>
-          <p:cNvPr id="3" name="Content Placeholder 2"/>
-          <p:cNvSpPr>
-            <a:spLocks noGrp="1"/>
-          </p:cNvSpPr>
-          <p:nvPr>
-            <p:ph sz="half" idx="1"/>
-          </p:nvPr>
-        </p:nvSpPr>
-        <p:spPr>
-          <a:xfrm>
-            <a:off x="152400" y="1371600"/>
-            <a:ext cx="7239000" cy="4953000"/>
-          </a:xfrm>
-        </p:spPr>
-        <p:txBody>
-          <a:bodyPr/>
-          <a:lstStyle/>
-          <a:p>
-            <a:r>
-              <a:rPr lang="en-US" sz="2000" dirty="0" smtClean="0"/>
-              <a:t>Dana-Farber Cancer Institute/Harvard Medical School</a:t>
-            </a:r>
-          </a:p>
-          <a:p>
-            <a:pPr lvl="1"/>
-            <a:r>
-              <a:rPr lang="en-US" sz="1600" dirty="0" smtClean="0"/>
-              <a:t>Augustin Luna</a:t>
-            </a:r>
-          </a:p>
-          <a:p>
-            <a:pPr lvl="1"/>
-            <a:r>
-              <a:rPr lang="en-US" sz="1600" dirty="0" smtClean="0"/>
-              <a:t>Chris Sander</a:t>
-            </a:r>
-          </a:p>
-          <a:p>
-            <a:r>
-              <a:rPr lang="en-US" sz="2000" dirty="0" err="1" smtClean="0"/>
-              <a:t>Bilkent</a:t>
-            </a:r>
-            <a:r>
-              <a:rPr lang="en-US" sz="2000" dirty="0" smtClean="0"/>
-              <a:t> University</a:t>
-            </a:r>
-          </a:p>
-          <a:p>
-            <a:pPr lvl="1"/>
-            <a:r>
-              <a:rPr lang="en-US" sz="1600" dirty="0" err="1" smtClean="0"/>
-              <a:t>Ugur</a:t>
-            </a:r>
-            <a:r>
-              <a:rPr lang="en-US" sz="1600" dirty="0" smtClean="0"/>
-              <a:t> </a:t>
-            </a:r>
-            <a:r>
-              <a:rPr lang="en-US" sz="1600" dirty="0" err="1" smtClean="0"/>
-              <a:t>Dogrusoz</a:t>
-            </a:r>
-            <a:r>
-              <a:rPr lang="en-US" sz="1600" dirty="0" smtClean="0"/>
-              <a:t> </a:t>
-            </a:r>
-          </a:p>
-          <a:p>
-            <a:r>
-              <a:rPr lang="en-US" sz="2000" dirty="0"/>
-              <a:t>University of Toronto</a:t>
-            </a:r>
-            <a:endParaRPr lang="en-US" sz="2400" dirty="0"/>
-          </a:p>
-          <a:p>
-            <a:pPr lvl="1"/>
-            <a:r>
-              <a:rPr lang="en-US" sz="1600" dirty="0" smtClean="0"/>
-              <a:t>Jeffrey </a:t>
-            </a:r>
-            <a:r>
-              <a:rPr lang="en-US" sz="1600" dirty="0"/>
-              <a:t>Wong</a:t>
-            </a:r>
-          </a:p>
-          <a:p>
-            <a:pPr lvl="1"/>
-            <a:r>
-              <a:rPr lang="en-US" sz="1600" dirty="0"/>
-              <a:t>Igor </a:t>
-            </a:r>
-            <a:r>
-              <a:rPr lang="en-US" sz="1600" dirty="0" err="1" smtClean="0"/>
-              <a:t>Rodchenkov</a:t>
-            </a:r>
-            <a:endParaRPr lang="en-US" sz="1600" dirty="0" smtClean="0"/>
-          </a:p>
-          <a:p>
-            <a:pPr lvl="1"/>
-            <a:r>
-              <a:rPr lang="en-US" sz="1600" dirty="0"/>
-              <a:t>Gary Bader </a:t>
-            </a:r>
-          </a:p>
-          <a:p>
-            <a:r>
-              <a:rPr lang="en-US" sz="2000" dirty="0" smtClean="0"/>
-              <a:t>Oregon Health Sciences University</a:t>
-            </a:r>
-          </a:p>
-          <a:p>
-            <a:pPr lvl="1"/>
-            <a:r>
-              <a:rPr lang="en-US" sz="1600" dirty="0" err="1"/>
-              <a:t>Ozgun</a:t>
-            </a:r>
-            <a:r>
-              <a:rPr lang="en-US" sz="1600" dirty="0"/>
-              <a:t> Babur</a:t>
-            </a:r>
-          </a:p>
-          <a:p>
-            <a:pPr lvl="1"/>
-            <a:r>
-              <a:rPr lang="en-US" sz="1600" dirty="0" err="1"/>
-              <a:t>Emek</a:t>
-            </a:r>
-            <a:r>
-              <a:rPr lang="en-US" sz="1600" dirty="0"/>
-              <a:t> </a:t>
-            </a:r>
-            <a:r>
-              <a:rPr lang="en-US" sz="1600" dirty="0" err="1"/>
-              <a:t>Demir</a:t>
-            </a:r>
-            <a:endParaRPr lang="en-US" sz="1600" dirty="0"/>
-          </a:p>
-          <a:p>
-            <a:pPr marL="457200" lvl="1" indent="0">
-              <a:buNone/>
-            </a:pPr>
-            <a:endParaRPr lang="en-US" sz="1600" dirty="0" smtClean="0"/>
-          </a:p>
-        </p:txBody>
-      </p:sp>
-      <p:sp>
-        <p:nvSpPr>
-          <p:cNvPr id="22" name="Date Placeholder 3"/>
-          <p:cNvSpPr>
-            <a:spLocks noGrp="1"/>
-          </p:cNvSpPr>
-          <p:nvPr>
-            <p:ph type="dt" sz="half" idx="10"/>
-          </p:nvPr>
-        </p:nvSpPr>
-        <p:spPr/>
-        <p:txBody>
-          <a:bodyPr/>
-          <a:lstStyle/>
-          <a:p>
-            <a:pPr>
-              <a:defRPr/>
-            </a:pPr>
-            <a:fld id="{17AE4455-9103-41F8-8DAE-ABF8E7C4EAE8}" type="datetime1">
-              <a:rPr lang="en-US" smtClean="0"/>
-              <a:t>6/2/16</a:t>
-            </a:fld>
-            <a:endParaRPr lang="en-US" dirty="0"/>
-          </a:p>
-        </p:txBody>
-      </p:sp>
-    </p:spTree>
-    <p:extLst>
-      <p:ext uri="{BB962C8B-B14F-4D97-AF65-F5344CB8AC3E}">
-        <p14:creationId xmlns:p14="http://schemas.microsoft.com/office/powerpoint/2010/main" val="2586275699"/>
-      </p:ext>
-    </p:extLst>
-  </p:cSld>
-  <p:clrMapOvr>
-    <a:masterClrMapping/>
-  </p:clrMapOvr>
-  <p:timing>
-    <p:tnLst>
-      <p:par>
-        <p:cTn id="1" dur="indefinite" restart="never" nodeType="tmRoot"/>
-      </p:par>
-    </p:tnLst>
-  </p:timing>
 </p:sld>
 </file>
 
